--- a/presentation/PAA_dow_soria_dow_2025.pptx
+++ b/presentation/PAA_dow_soria_dow_2025.pptx
@@ -22,12 +22,12 @@
     <p:sldId id="269" r:id="rId13"/>
     <p:sldId id="263" r:id="rId14"/>
     <p:sldId id="270" r:id="rId15"/>
-    <p:sldId id="271" r:id="rId16"/>
-    <p:sldId id="267" r:id="rId17"/>
-    <p:sldId id="272" r:id="rId18"/>
-    <p:sldId id="283" r:id="rId19"/>
-    <p:sldId id="278" r:id="rId20"/>
-    <p:sldId id="284" r:id="rId21"/>
+    <p:sldId id="267" r:id="rId16"/>
+    <p:sldId id="272" r:id="rId17"/>
+    <p:sldId id="283" r:id="rId18"/>
+    <p:sldId id="278" r:id="rId19"/>
+    <p:sldId id="284" r:id="rId20"/>
+    <p:sldId id="271" r:id="rId21"/>
     <p:sldId id="276" r:id="rId22"/>
     <p:sldId id="280" r:id="rId23"/>
     <p:sldId id="273" r:id="rId24"/>
@@ -344,48 +344,6 @@
       </a:p>
     </p188:txBody>
   </p188:cm>
-  <p188:cm id="{88E6AD0A-BC09-734F-B3B0-62F2512668D7}" authorId="{AFA1B2A6-432F-BDAD-8948-8605949700F2}" created="2025-04-09T22:35:59.021">
-    <pc:sldMkLst xmlns:pc="http://schemas.microsoft.com/office/powerpoint/2013/main/command">
-      <pc:docMk/>
-      <pc:sldMk cId="731614764" sldId="261"/>
-    </pc:sldMkLst>
-    <p188:replyLst>
-      <p188:reply id="{C6BF8A43-3EE1-4267-87BE-38597EEF206B}" authorId="{2FB5A3B3-42F8-D2A7-CF28-DFDB8AFC7A1F}" created="2025-04-10T02:55:22.583">
-        <p188:txBody>
-          <a:bodyPr/>
-          <a:lstStyle/>
-          <a:p>
-            <a:r>
-              <a:rPr lang="en-US"/>
-              <a:t>ok</a:t>
-            </a:r>
-          </a:p>
-        </p188:txBody>
-      </p188:reply>
-      <p188:reply id="{D5A086F5-E207-5147-B681-97724BBC3F1F}" authorId="{AFA1B2A6-432F-BDAD-8948-8605949700F2}" created="2025-04-10T15:15:26.651">
-        <p188:txBody>
-          <a:bodyPr/>
-          <a:lstStyle/>
-          <a:p>
-            <a:r>
-              <a:rPr lang="en-US"/>
-              <a:t>I was pointing this comment directly at “Notably, Cubans and Dominicans are twice as likely as Mexicans to have migrated after age 50.”</a:t>
-            </a:r>
-          </a:p>
-        </p188:txBody>
-      </p188:reply>
-    </p188:replyLst>
-    <p188:txBody>
-      <a:bodyPr/>
-      <a:lstStyle/>
-      <a:p>
-        <a:r>
-          <a:rPr lang="en-US"/>
-          <a:t>I think I will cut this.</a:t>
-        </a:r>
-      </a:p>
-    </p188:txBody>
-  </p188:cm>
 </p188:cmLst>
 </file>
 
@@ -1213,7 +1171,7 @@
                 <a:effectLst/>
                 <a:latin typeface="fkGroteskNeue"/>
               </a:rPr>
-              <a:t>Today I'm going to present research in collaboration with William and Henry Dow on sociodemographic heterogeneity among older Hispanic adults in the United States, with a particular focus on comparing immigrants from different countries of origin.</a:t>
+              <a:t>Today I'm going to present research in collaboration with William and Henry Dow on sociodemographic differences between older Hispanic adults in the United States, with a particular focus on comparing immigrants from different countries of origin.</a:t>
             </a:r>
           </a:p>
           <a:p>
@@ -1228,7 +1186,7 @@
                 <a:effectLst/>
                 <a:latin typeface="fkGroteskNeue"/>
               </a:rPr>
-              <a:t>Our goal is to highlight that these Hispanic migrant groups are different enough from each other to deserve their own spotlight in research and policy discussions.</a:t>
+              <a:t>Our goal is to highlight that these groups are different enough from each other to deserve their own spotlight in research.</a:t>
             </a:r>
           </a:p>
           <a:p>
@@ -1327,7 +1285,7 @@
                 <a:effectLst/>
                 <a:latin typeface="fkGroteskNeue"/>
               </a:rPr>
-              <a:t>In order to better understand what might be driving these differences, we examined four possible explanations:</a:t>
+              <a:t>To better understand what might be driving these differences, we examined four possible explanations:</a:t>
             </a:r>
           </a:p>
           <a:p>
@@ -1358,7 +1316,7 @@
                 <a:effectLst/>
                 <a:latin typeface="fkGroteskNeue"/>
               </a:rPr>
-              <a:t> It could be that there are age differences between migrant groups, however after age adjustment, educational patterns remained mostly the same</a:t>
+              <a:t> It could just be that are age differences between these these groups that we need to adjust for. Which we found don’t make a huge impact.</a:t>
             </a:r>
           </a:p>
           <a:p>
@@ -1404,7 +1362,43 @@
                 <a:effectLst/>
                 <a:latin typeface="Helvetica" pitchFamily="2" charset="0"/>
               </a:rPr>
-              <a:t>could be that those who migrated in childhood stayed in school longer because of higher compulsory schooling age laws in the U.S.</a:t>
+              <a:t>could be that those who migrated to the US during childhood stayed in school longer because of compulsory schooling age laws</a:t>
+            </a:r>
+          </a:p>
+          <a:p>
+            <a:pPr marL="0" marR="0" lvl="0" indent="0" algn="l" defTabSz="914400" rtl="0" eaLnBrk="1" fontAlgn="auto" latinLnBrk="0" hangingPunct="1">
+              <a:lnSpc>
+                <a:spcPct val="100000"/>
+              </a:lnSpc>
+              <a:spcBef>
+                <a:spcPts val="0"/>
+              </a:spcBef>
+              <a:spcAft>
+                <a:spcPts val="0"/>
+              </a:spcAft>
+              <a:buClrTx/>
+              <a:buSzTx/>
+              <a:buFont typeface="+mj-lt"/>
+              <a:buAutoNum type="arabicPeriod"/>
+              <a:tabLst/>
+              <a:defRPr/>
+            </a:pPr>
+            <a:endParaRPr lang="en-US" b="0" i="0" dirty="0">
+              <a:effectLst/>
+              <a:latin typeface="fkGroteskNeue"/>
+            </a:endParaRPr>
+          </a:p>
+          <a:p>
+            <a:pPr algn="l">
+              <a:buFont typeface="+mj-lt"/>
+              <a:buAutoNum type="arabicPeriod"/>
+            </a:pPr>
+            <a:r>
+              <a:rPr lang="en-US" b="0" i="0" dirty="0">
+                <a:effectLst/>
+                <a:latin typeface="fkGroteskNeue"/>
+              </a:rPr>
+              <a:t> Their birth country may have had lower schooling attainment norms</a:t>
             </a:r>
           </a:p>
           <a:p>
@@ -1427,30 +1421,7 @@
                 <a:effectLst/>
                 <a:latin typeface="fkGroteskNeue"/>
               </a:rPr>
-              <a:t> Their birth country may have had lower schooling attainment norms</a:t>
-            </a:r>
-          </a:p>
-          <a:p>
-            <a:pPr algn="l">
-              <a:buFont typeface="+mj-lt"/>
-              <a:buAutoNum type="arabicPeriod"/>
-            </a:pPr>
-            <a:endParaRPr lang="en-US" b="0" i="0" dirty="0">
-              <a:effectLst/>
-              <a:latin typeface="fkGroteskNeue"/>
-            </a:endParaRPr>
-          </a:p>
-          <a:p>
-            <a:pPr algn="l">
-              <a:buFont typeface="+mj-lt"/>
-              <a:buAutoNum type="arabicPeriod"/>
-            </a:pPr>
-            <a:r>
-              <a:rPr lang="en-US" b="0" i="0" dirty="0">
-                <a:effectLst/>
-                <a:latin typeface="fkGroteskNeue"/>
-              </a:rPr>
-              <a:t> And lastly is migrant selectivity. It may be that migrants from other countries were more positively selected on education than migrants from Mexico.</a:t>
+              <a:t> And lastly we could be seeing migrant selectivity. It may be that migrants from these Caribbean countries were more positively selected on education than migrants from Mexico.</a:t>
             </a:r>
           </a:p>
         </p:txBody>
@@ -1575,7 +1546,7 @@
                 <a:effectLst/>
                 <a:latin typeface="Helvetica" pitchFamily="2" charset="0"/>
               </a:rPr>
-              <a:t>For each country in this graph, the left bar bar again shows the secondary education attainment proportion that I just showed you, and the bar to its right shows that same proportion among those who migrated after age 24.</a:t>
+              <a:t>For each country in this graph, the left bar again shows the secondary education attainment proportion that I just showed you, and the bar to its right shows that same proportion among those who migrated after age 24.</a:t>
             </a:r>
             <a:endParaRPr lang="en-US" b="0" i="0" dirty="0">
               <a:effectLst/>
@@ -1594,7 +1565,7 @@
                 <a:effectLst/>
                 <a:latin typeface="fkGroteskNeue"/>
               </a:rPr>
-              <a:t>The patterns remain similar here, indicating that age at migration does not explain the educational differences we observe.</a:t>
+              <a:t>The patterns remain similar, which implies that age at migration does not explain the educational differences we observe.</a:t>
             </a:r>
           </a:p>
         </p:txBody>
@@ -1693,7 +1664,7 @@
                 <a:effectLst/>
                 <a:latin typeface="fkGroteskNeue"/>
               </a:rPr>
-              <a:t>First, migrant educational patterns largely reflect education levels in their home countries. This is evident in the overall educational hierarchy among these groups, with Cubans in their home country generally having higher educational attainment than Mexicans, for example.</a:t>
+              <a:t>The first thing we noticed here was that migrant educational patterns largely reflect education levels in their home countries,  which  is evident in the overall educational hierarchy among these groups, with Cubans in their home country generally having higher educational attainment than Mexicans, for example.</a:t>
             </a:r>
           </a:p>
           <a:p>
@@ -1793,14 +1764,14 @@
           <a:p>
             <a:r>
               <a:rPr lang="en-US" dirty="0"/>
-              <a:t>I don’t have time to walk through hypotheses on all these factors, </a:t>
+              <a:t>I don’t have time to walk through hypotheses on all these other factors, </a:t>
             </a:r>
             <a:r>
               <a:rPr lang="en-US" b="0" i="0" dirty="0">
                 <a:effectLst/>
                 <a:latin typeface="fkGroteskNeue"/>
               </a:rPr>
-              <a:t>but these groups also differ in household arrangements. </a:t>
+              <a:t>but these migrant groups also differ in household arrangements. </a:t>
             </a:r>
           </a:p>
           <a:p>
@@ -1830,7 +1801,7 @@
                 <a:effectLst/>
                 <a:latin typeface="fkGroteskNeue"/>
               </a:rPr>
-              <a:t>Mexican migrants are also more likely to be married than their Caribbean counterparts. </a:t>
+              <a:t>Mexican migrants are also much more likely to be married than their Caribbean counterparts. </a:t>
             </a:r>
           </a:p>
           <a:p>
@@ -1865,7 +1836,7 @@
                 <a:effectLst/>
                 <a:latin typeface="Helvetica" pitchFamily="2" charset="0"/>
               </a:rPr>
-              <a:t>Again, this is not explained by age or migration timing. So it seems to reflect something more fundamental about population differences by birth country, and likely also affects health differences.</a:t>
+              <a:t>Again, this is not explained by age or migration timing, so it seems to reflect something more fundamental about population differences by birth country.</a:t>
             </a:r>
           </a:p>
           <a:p>
@@ -1958,7 +1929,7 @@
                 <a:effectLst/>
                 <a:latin typeface="fkGroteskNeue"/>
               </a:rPr>
-              <a:t>Migrants are more likely to live alone than their native-country counterparts, with this difference being more pronounced among Caribbean migrants than Mexicans.</a:t>
+              <a:t>Migrants are also more likely to live alone than their native-country counterparts, with this difference being more pronounced among Caribbean migrants than Mexicans.</a:t>
             </a:r>
           </a:p>
           <a:p>
@@ -1993,7 +1964,7 @@
                 <a:effectLst/>
                 <a:latin typeface="Helvetica" pitchFamily="2" charset="0"/>
               </a:rPr>
-              <a:t>It’s not obvious why or what the implication is, but this is an intriguing stylized fact that calls for further investigation</a:t>
+              <a:t>It’s not obvious why or what the implication is, but this is an intriguing fact that calls for further investigation</a:t>
             </a:r>
           </a:p>
           <a:p>
@@ -2081,43 +2052,164 @@
           <a:bodyPr/>
           <a:lstStyle/>
           <a:p>
+            <a:pPr algn="l">
+              <a:buNone/>
+            </a:pPr>
             <a:r>
               <a:rPr lang="en-US" b="0" i="0" dirty="0">
                 <a:effectLst/>
                 <a:latin typeface="fkGroteskNeue"/>
               </a:rPr>
-              <a:t>And lastly, we see similar patterns with marriage. </a:t>
-            </a:r>
-          </a:p>
-          <a:p>
+              <a:t>In summary, these Hispanic migrant groups differ substantially from each other and from their native-country counterparts, and this has important implications for their respective health outcomes.</a:t>
+            </a:r>
+          </a:p>
+          <a:p>
+            <a:pPr algn="l">
+              <a:buNone/>
+            </a:pPr>
             <a:endParaRPr lang="en-US" b="0" i="0" dirty="0">
               <a:effectLst/>
               <a:latin typeface="fkGroteskNeue"/>
             </a:endParaRPr>
           </a:p>
           <a:p>
+            <a:pPr algn="l">
+              <a:buNone/>
+            </a:pPr>
             <a:r>
               <a:rPr lang="en-US" b="0" i="0" dirty="0">
                 <a:effectLst/>
                 <a:latin typeface="fkGroteskNeue"/>
               </a:rPr>
-              <a:t>Caribbean migrants are significantly less likely to be married compared to their counterparts in their home countries. </a:t>
-            </a:r>
-          </a:p>
-          <a:p>
+              <a:t>The key differences we identified were:</a:t>
+            </a:r>
+          </a:p>
+          <a:p>
+            <a:pPr algn="l">
+              <a:buFont typeface="Arial" panose="020B0604020202020204" pitchFamily="34" charset="0"/>
+              <a:buChar char="•"/>
+            </a:pPr>
             <a:endParaRPr lang="en-US" b="0" i="0" dirty="0">
               <a:effectLst/>
               <a:latin typeface="fkGroteskNeue"/>
             </a:endParaRPr>
           </a:p>
           <a:p>
+            <a:pPr algn="l">
+              <a:buFont typeface="Arial" panose="020B0604020202020204" pitchFamily="34" charset="0"/>
+              <a:buNone/>
+            </a:pPr>
             <a:r>
               <a:rPr lang="en-US" b="0" i="0" dirty="0">
                 <a:effectLst/>
                 <a:latin typeface="fkGroteskNeue"/>
               </a:rPr>
-              <a:t>In contrast, Mexican migrants maintain marriage rates nearly identical to those of Mexicans living in Mexico.</a:t>
-            </a:r>
+              <a:t>Migration patterns vary significantly for all groups, both timing and age of arrival</a:t>
+            </a:r>
+          </a:p>
+          <a:p>
+            <a:pPr algn="l">
+              <a:buFont typeface="Arial" panose="020B0604020202020204" pitchFamily="34" charset="0"/>
+              <a:buChar char="•"/>
+            </a:pPr>
+            <a:endParaRPr lang="en-US" b="0" i="0" dirty="0">
+              <a:effectLst/>
+              <a:latin typeface="fkGroteskNeue"/>
+            </a:endParaRPr>
+          </a:p>
+          <a:p>
+            <a:pPr algn="l">
+              <a:buFont typeface="Arial" panose="020B0604020202020204" pitchFamily="34" charset="0"/>
+              <a:buNone/>
+            </a:pPr>
+            <a:r>
+              <a:rPr lang="en-US" b="0" i="0" dirty="0">
+                <a:effectLst/>
+                <a:latin typeface="fkGroteskNeue"/>
+              </a:rPr>
+              <a:t>Caribbean migrants generally have higher educational attainment and citizenship rates than Mexican migrants</a:t>
+            </a:r>
+          </a:p>
+          <a:p>
+            <a:pPr algn="l">
+              <a:buFont typeface="Arial" panose="020B0604020202020204" pitchFamily="34" charset="0"/>
+              <a:buNone/>
+            </a:pPr>
+            <a:endParaRPr lang="en-US" b="0" i="0" dirty="0">
+              <a:effectLst/>
+              <a:latin typeface="fkGroteskNeue"/>
+            </a:endParaRPr>
+          </a:p>
+          <a:p>
+            <a:pPr algn="l">
+              <a:buFont typeface="Arial" panose="020B0604020202020204" pitchFamily="34" charset="0"/>
+              <a:buNone/>
+            </a:pPr>
+            <a:r>
+              <a:rPr lang="en-US" b="0" i="0" dirty="0">
+                <a:effectLst/>
+                <a:latin typeface="fkGroteskNeue"/>
+              </a:rPr>
+              <a:t>Caribbean migrants are more likely to live alone than Mexican migrants</a:t>
+            </a:r>
+          </a:p>
+          <a:p>
+            <a:pPr algn="l">
+              <a:buFont typeface="Arial" panose="020B0604020202020204" pitchFamily="34" charset="0"/>
+              <a:buNone/>
+            </a:pPr>
+            <a:endParaRPr lang="en-US" b="0" i="0" dirty="0">
+              <a:effectLst/>
+              <a:latin typeface="fkGroteskNeue"/>
+            </a:endParaRPr>
+          </a:p>
+          <a:p>
+            <a:pPr algn="l">
+              <a:buFont typeface="Arial" panose="020B0604020202020204" pitchFamily="34" charset="0"/>
+              <a:buNone/>
+            </a:pPr>
+            <a:r>
+              <a:rPr lang="en-US" b="0" i="0" dirty="0">
+                <a:effectLst/>
+                <a:latin typeface="fkGroteskNeue"/>
+              </a:rPr>
+              <a:t>Selection patterns vary dramatically, with Dominican and Cuban migrants showing much stronger positive educational selectivity compared to Mexican and Puerto Rican migrants</a:t>
+            </a:r>
+          </a:p>
+          <a:p>
+            <a:pPr algn="l">
+              <a:buFont typeface="Arial" panose="020B0604020202020204" pitchFamily="34" charset="0"/>
+              <a:buNone/>
+            </a:pPr>
+            <a:endParaRPr lang="en-US" b="0" i="0" dirty="0">
+              <a:effectLst/>
+              <a:latin typeface="fkGroteskNeue"/>
+            </a:endParaRPr>
+          </a:p>
+          <a:p>
+            <a:pPr algn="l">
+              <a:buFont typeface="Arial" panose="020B0604020202020204" pitchFamily="34" charset="0"/>
+              <a:buNone/>
+            </a:pPr>
+            <a:r>
+              <a:rPr lang="en-US" dirty="0"/>
+              <a:t>However, things are rapidly changing. </a:t>
+            </a:r>
+            <a:endParaRPr lang="en-US" b="0" i="0" dirty="0">
+              <a:effectLst/>
+              <a:latin typeface="fkGroteskNeue"/>
+            </a:endParaRPr>
+          </a:p>
+          <a:p>
+            <a:endParaRPr lang="en-US" dirty="0"/>
+          </a:p>
+          <a:p>
+            <a:endParaRPr lang="en-US" dirty="0"/>
+          </a:p>
+          <a:p>
+            <a:endParaRPr lang="en-US" dirty="0"/>
+          </a:p>
+          <a:p>
             <a:endParaRPr lang="en-US" dirty="0"/>
           </a:p>
         </p:txBody>
@@ -2148,7 +2240,7 @@
     </p:spTree>
     <p:extLst>
       <p:ext uri="{BB962C8B-B14F-4D97-AF65-F5344CB8AC3E}">
-        <p14:creationId xmlns:p14="http://schemas.microsoft.com/office/powerpoint/2010/main" val="1870954806"/>
+        <p14:creationId xmlns:p14="http://schemas.microsoft.com/office/powerpoint/2010/main" val="4199339182"/>
       </p:ext>
     </p:extLst>
   </p:cSld>
@@ -2202,140 +2294,22 @@
           <a:bodyPr/>
           <a:lstStyle/>
           <a:p>
-            <a:pPr algn="l">
-              <a:buNone/>
-            </a:pPr>
+            <a:r>
+              <a:rPr lang="en-US" dirty="0"/>
+              <a:t>When we compare these migrant groups in 2010 to to themselves 2020, we generally see that they’re all more educated. </a:t>
+            </a:r>
+          </a:p>
+          <a:p>
+            <a:endParaRPr lang="en-US" dirty="0"/>
+          </a:p>
+          <a:p>
             <a:r>
               <a:rPr lang="en-US" b="0" i="0" dirty="0">
                 <a:effectLst/>
                 <a:latin typeface="fkGroteskNeue"/>
               </a:rPr>
-              <a:t>In summary, these Hispanic migrant groups differ substantially from each other and from their native-country counterparts, which have important implications for their respective health outcomes.</a:t>
-            </a:r>
-          </a:p>
-          <a:p>
-            <a:pPr algn="l">
-              <a:buNone/>
-            </a:pPr>
-            <a:endParaRPr lang="en-US" b="0" i="0" dirty="0">
-              <a:effectLst/>
-              <a:latin typeface="fkGroteskNeue"/>
-            </a:endParaRPr>
-          </a:p>
-          <a:p>
-            <a:pPr algn="l">
-              <a:buNone/>
-            </a:pPr>
-            <a:r>
-              <a:rPr lang="en-US" b="0" i="0" dirty="0">
-                <a:effectLst/>
-                <a:latin typeface="fkGroteskNeue"/>
-              </a:rPr>
-              <a:t>The key differences we identified were:</a:t>
-            </a:r>
-          </a:p>
-          <a:p>
-            <a:pPr algn="l">
-              <a:buFont typeface="Arial" panose="020B0604020202020204" pitchFamily="34" charset="0"/>
-              <a:buChar char="•"/>
-            </a:pPr>
-            <a:endParaRPr lang="en-US" b="0" i="0" dirty="0">
-              <a:effectLst/>
-              <a:latin typeface="fkGroteskNeue"/>
-            </a:endParaRPr>
-          </a:p>
-          <a:p>
-            <a:pPr algn="l">
-              <a:buFont typeface="Arial" panose="020B0604020202020204" pitchFamily="34" charset="0"/>
-              <a:buNone/>
-            </a:pPr>
-            <a:r>
-              <a:rPr lang="en-US" b="0" i="0" dirty="0">
-                <a:effectLst/>
-                <a:latin typeface="fkGroteskNeue"/>
-              </a:rPr>
-              <a:t>Migration patterns vary significantly for all groups, in both timing and age at arrival</a:t>
-            </a:r>
-          </a:p>
-          <a:p>
-            <a:pPr algn="l">
-              <a:buFont typeface="Arial" panose="020B0604020202020204" pitchFamily="34" charset="0"/>
-              <a:buChar char="•"/>
-            </a:pPr>
-            <a:endParaRPr lang="en-US" b="0" i="0" dirty="0">
-              <a:effectLst/>
-              <a:latin typeface="fkGroteskNeue"/>
-            </a:endParaRPr>
-          </a:p>
-          <a:p>
-            <a:pPr algn="l">
-              <a:buFont typeface="Arial" panose="020B0604020202020204" pitchFamily="34" charset="0"/>
-              <a:buNone/>
-            </a:pPr>
-            <a:r>
-              <a:rPr lang="en-US" b="0" i="0" dirty="0">
-                <a:effectLst/>
-                <a:latin typeface="fkGroteskNeue"/>
-              </a:rPr>
-              <a:t>Caribbean migrants generally have higher educational attainment and citizenship rates than Mexican migrants</a:t>
-            </a:r>
-          </a:p>
-          <a:p>
-            <a:pPr algn="l">
-              <a:buFont typeface="Arial" panose="020B0604020202020204" pitchFamily="34" charset="0"/>
-              <a:buNone/>
-            </a:pPr>
-            <a:endParaRPr lang="en-US" b="0" i="0" dirty="0">
-              <a:effectLst/>
-              <a:latin typeface="fkGroteskNeue"/>
-            </a:endParaRPr>
-          </a:p>
-          <a:p>
-            <a:pPr algn="l">
-              <a:buFont typeface="Arial" panose="020B0604020202020204" pitchFamily="34" charset="0"/>
-              <a:buNone/>
-            </a:pPr>
-            <a:r>
-              <a:rPr lang="en-US" b="0" i="0" dirty="0">
-                <a:effectLst/>
-                <a:latin typeface="fkGroteskNeue"/>
-              </a:rPr>
-              <a:t>Caribbean migrants are more likely to live alone than Mexican migrants</a:t>
-            </a:r>
-          </a:p>
-          <a:p>
-            <a:pPr algn="l">
-              <a:buFont typeface="Arial" panose="020B0604020202020204" pitchFamily="34" charset="0"/>
-              <a:buNone/>
-            </a:pPr>
-            <a:endParaRPr lang="en-US" b="0" i="0" dirty="0">
-              <a:effectLst/>
-              <a:latin typeface="fkGroteskNeue"/>
-            </a:endParaRPr>
-          </a:p>
-          <a:p>
-            <a:pPr algn="l">
-              <a:buFont typeface="Arial" panose="020B0604020202020204" pitchFamily="34" charset="0"/>
-              <a:buNone/>
-            </a:pPr>
-            <a:r>
-              <a:rPr lang="en-US" b="0" i="0" dirty="0">
-                <a:effectLst/>
-                <a:latin typeface="fkGroteskNeue"/>
-              </a:rPr>
-              <a:t>Selection patterns vary dramatically, with Dominican and Cuban migrants showing much stronger positive educational selectivity compared to Mexican and Puerto Rican migrants</a:t>
-            </a:r>
-          </a:p>
-          <a:p>
-            <a:endParaRPr lang="en-US" dirty="0"/>
-          </a:p>
-          <a:p>
-            <a:endParaRPr lang="en-US" dirty="0"/>
-          </a:p>
-          <a:p>
-            <a:endParaRPr lang="en-US" dirty="0"/>
-          </a:p>
-          <a:p>
+              <a:t>In other words, we need more current data on both migrants and their native country counterparts.</a:t>
+            </a:r>
             <a:endParaRPr lang="en-US" dirty="0"/>
           </a:p>
         </p:txBody>
@@ -2366,7 +2340,7 @@
     </p:spTree>
     <p:extLst>
       <p:ext uri="{BB962C8B-B14F-4D97-AF65-F5344CB8AC3E}">
-        <p14:creationId xmlns:p14="http://schemas.microsoft.com/office/powerpoint/2010/main" val="4199339182"/>
+        <p14:creationId xmlns:p14="http://schemas.microsoft.com/office/powerpoint/2010/main" val="1885095810"/>
       </p:ext>
     </p:extLst>
   </p:cSld>
@@ -2422,7 +2396,7 @@
           <a:p>
             <a:r>
               <a:rPr lang="en-US" dirty="0"/>
-              <a:t>However, things are rapidly changing. When we compare these migrant groups in 2010 to to themselves 2020, we generally see that they’re all more educated. </a:t>
+              <a:t>Before I end, I do want to point out a few limitations of this study, however. </a:t>
             </a:r>
           </a:p>
           <a:p>
@@ -2430,12 +2404,29 @@
           </a:p>
           <a:p>
             <a:r>
-              <a:rPr lang="en-US" b="0" i="0" dirty="0">
-                <a:effectLst/>
-                <a:latin typeface="fkGroteskNeue"/>
-              </a:rPr>
-              <a:t>In other words, we need more current data on both migrants and their native country counterparts.</a:t>
-            </a:r>
+              <a:rPr lang="en-US" dirty="0"/>
+              <a:t>For example, we don’t get to see their previous migration history and so some of the folks living in their respective native countries might have temporarily lived in the US but moved back by the time they reach old age. </a:t>
+            </a:r>
+          </a:p>
+          <a:p>
+            <a:endParaRPr lang="en-US" dirty="0"/>
+          </a:p>
+          <a:p>
+            <a:r>
+              <a:rPr lang="en-US" dirty="0"/>
+              <a:t>The other major limitation is that the Census doesn’t provide information on respondent health, which is ultimately what we’re interested in. </a:t>
+            </a:r>
+          </a:p>
+          <a:p>
+            <a:endParaRPr lang="en-US" dirty="0"/>
+          </a:p>
+          <a:p>
+            <a:r>
+              <a:rPr lang="en-US" dirty="0"/>
+              <a:t>What we need is better nationally representative data in these Caribbean countries that’s comparable to US data, similar the Mexican Health and Aging Survey.</a:t>
+            </a:r>
+          </a:p>
+          <a:p>
             <a:endParaRPr lang="en-US" dirty="0"/>
           </a:p>
         </p:txBody>
@@ -2466,7 +2457,7 @@
     </p:spTree>
     <p:extLst>
       <p:ext uri="{BB962C8B-B14F-4D97-AF65-F5344CB8AC3E}">
-        <p14:creationId xmlns:p14="http://schemas.microsoft.com/office/powerpoint/2010/main" val="1885095810"/>
+        <p14:creationId xmlns:p14="http://schemas.microsoft.com/office/powerpoint/2010/main" val="1720484913"/>
       </p:ext>
     </p:extLst>
   </p:cSld>
@@ -2520,40 +2511,135 @@
           <a:bodyPr/>
           <a:lstStyle/>
           <a:p>
-            <a:r>
-              <a:rPr lang="en-US" dirty="0"/>
-              <a:t>There are a few limitations to these study, however. </a:t>
-            </a:r>
-          </a:p>
-          <a:p>
-            <a:endParaRPr lang="en-US" dirty="0"/>
-          </a:p>
-          <a:p>
-            <a:r>
-              <a:rPr lang="en-US" dirty="0"/>
-              <a:t>For example, here we’re only viewing a snapshot of where people are at the time of the census, not their previous migration history. In other words, some of the folks living in their respective native countries might have temporarily lived in the US but moved back by the time they reach old age. </a:t>
-            </a:r>
-          </a:p>
-          <a:p>
-            <a:endParaRPr lang="en-US" dirty="0"/>
-          </a:p>
-          <a:p>
-            <a:r>
-              <a:rPr lang="en-US" dirty="0"/>
-              <a:t>The other major limitation is that the Census doesn’t provide information on respondent health, which is ultimately what we’re interested in. </a:t>
-            </a:r>
-          </a:p>
-          <a:p>
-            <a:endParaRPr lang="en-US" dirty="0"/>
-          </a:p>
-          <a:p>
-            <a:r>
-              <a:rPr lang="en-US" dirty="0"/>
-              <a:t>What we need is better nationally representative data in the Caribbean countries that’s comparable to US data, similar the Mexican Health and Aging Survey.</a:t>
-            </a:r>
-          </a:p>
-          <a:p>
-            <a:endParaRPr lang="en-US" dirty="0"/>
+            <a:pPr algn="l">
+              <a:spcAft>
+                <a:spcPts val="225"/>
+              </a:spcAft>
+            </a:pPr>
+            <a:r>
+              <a:rPr lang="en-US" b="0" i="0" u="none" dirty="0">
+                <a:effectLst/>
+                <a:latin typeface="Roboto" panose="02000000000000000000" pitchFamily="2" charset="0"/>
+                <a:hlinkClick r:id="rId3"/>
+              </a:rPr>
+              <a:t>That’s why we’re eager to follow this study up with an analysis of the Caribbean American Dementia and Aging Study (CADAS). </a:t>
+            </a:r>
+          </a:p>
+          <a:p>
+            <a:pPr algn="l">
+              <a:spcAft>
+                <a:spcPts val="225"/>
+              </a:spcAft>
+            </a:pPr>
+            <a:endParaRPr lang="en-US" b="0" i="0" u="none" dirty="0">
+              <a:effectLst/>
+              <a:latin typeface="Roboto" panose="02000000000000000000" pitchFamily="2" charset="0"/>
+              <a:hlinkClick r:id="rId3"/>
+            </a:endParaRPr>
+          </a:p>
+          <a:p>
+            <a:pPr algn="l">
+              <a:spcAft>
+                <a:spcPts val="225"/>
+              </a:spcAft>
+            </a:pPr>
+            <a:r>
+              <a:rPr lang="en-US" b="0" i="0" u="none" dirty="0">
+                <a:effectLst/>
+                <a:latin typeface="Roboto" panose="02000000000000000000" pitchFamily="2" charset="0"/>
+                <a:hlinkClick r:id="rId3"/>
+              </a:rPr>
+              <a:t>We’re still in the middle of data collection, but CADAS will consist of nationally representative samples in Puerto Rico and Dominican Republic harmonized with data from Cuba</a:t>
+            </a:r>
+          </a:p>
+          <a:p>
+            <a:pPr algn="l">
+              <a:spcAft>
+                <a:spcPts val="225"/>
+              </a:spcAft>
+            </a:pPr>
+            <a:endParaRPr lang="en-US" b="0" i="0" u="none" dirty="0">
+              <a:effectLst/>
+              <a:latin typeface="Roboto" panose="02000000000000000000" pitchFamily="2" charset="0"/>
+              <a:hlinkClick r:id="rId3"/>
+            </a:endParaRPr>
+          </a:p>
+          <a:p>
+            <a:pPr algn="l">
+              <a:spcAft>
+                <a:spcPts val="225"/>
+              </a:spcAft>
+            </a:pPr>
+            <a:r>
+              <a:rPr lang="en-US" b="0" i="0" u="none" dirty="0">
+                <a:effectLst/>
+                <a:latin typeface="Roboto" panose="02000000000000000000" pitchFamily="2" charset="0"/>
+                <a:hlinkClick r:id="rId3"/>
+              </a:rPr>
+              <a:t>Because it’s part of the </a:t>
+            </a:r>
+            <a:r>
+              <a:rPr lang="en-US" b="0" i="0" u="sng" dirty="0">
+                <a:effectLst/>
+                <a:latin typeface="Roboto" panose="02000000000000000000" pitchFamily="2" charset="0"/>
+                <a:hlinkClick r:id="rId3"/>
+              </a:rPr>
+              <a:t>Harmonized Cognitive Assessment Protocol, it’ll allow us to run comparative analysis of both US data like the Health and Retirement Surveys and Mexican data like MHAS. </a:t>
+            </a:r>
+          </a:p>
+          <a:p>
+            <a:pPr algn="l">
+              <a:spcAft>
+                <a:spcPts val="225"/>
+              </a:spcAft>
+            </a:pPr>
+            <a:endParaRPr lang="en-US" b="0" i="0" u="sng" dirty="0">
+              <a:effectLst/>
+              <a:latin typeface="Roboto" panose="02000000000000000000" pitchFamily="2" charset="0"/>
+              <a:hlinkClick r:id="rId3"/>
+            </a:endParaRPr>
+          </a:p>
+          <a:p>
+            <a:pPr algn="l">
+              <a:spcAft>
+                <a:spcPts val="225"/>
+              </a:spcAft>
+            </a:pPr>
+            <a:r>
+              <a:rPr lang="en-US" b="0" i="0" u="sng" dirty="0">
+                <a:effectLst/>
+                <a:latin typeface="Roboto" panose="02000000000000000000" pitchFamily="2" charset="0"/>
+                <a:hlinkClick r:id="rId3"/>
+              </a:rPr>
+              <a:t>In other words, we consider this study a first step in the direction of a more robust eventual analysis using CADAS data.</a:t>
+            </a:r>
+          </a:p>
+          <a:p>
+            <a:pPr algn="l">
+              <a:spcAft>
+                <a:spcPts val="225"/>
+              </a:spcAft>
+            </a:pPr>
+            <a:endParaRPr lang="en-US" b="0" i="0" u="sng" dirty="0">
+              <a:effectLst/>
+              <a:latin typeface="Roboto" panose="02000000000000000000" pitchFamily="2" charset="0"/>
+              <a:hlinkClick r:id="rId3"/>
+            </a:endParaRPr>
+          </a:p>
+          <a:p>
+            <a:pPr algn="l">
+              <a:spcAft>
+                <a:spcPts val="225"/>
+              </a:spcAft>
+            </a:pPr>
+            <a:r>
+              <a:rPr lang="en-US" b="0" i="0" u="sng" dirty="0">
+                <a:effectLst/>
+                <a:latin typeface="Roboto" panose="02000000000000000000" pitchFamily="2" charset="0"/>
+                <a:hlinkClick r:id="rId3"/>
+              </a:rPr>
+              <a:t>Stay tuned next year for the public release of that data. </a:t>
+            </a:r>
           </a:p>
         </p:txBody>
       </p:sp>
@@ -2583,7 +2669,7 @@
     </p:spTree>
     <p:extLst>
       <p:ext uri="{BB962C8B-B14F-4D97-AF65-F5344CB8AC3E}">
-        <p14:creationId xmlns:p14="http://schemas.microsoft.com/office/powerpoint/2010/main" val="1720484913"/>
+        <p14:creationId xmlns:p14="http://schemas.microsoft.com/office/powerpoint/2010/main" val="1490383593"/>
       </p:ext>
     </p:extLst>
   </p:cSld>
@@ -2637,135 +2723,44 @@
           <a:bodyPr/>
           <a:lstStyle/>
           <a:p>
-            <a:pPr algn="l">
-              <a:spcAft>
-                <a:spcPts val="225"/>
-              </a:spcAft>
-            </a:pPr>
-            <a:r>
-              <a:rPr lang="en-US" b="0" i="0" u="none" dirty="0">
+            <a:r>
+              <a:rPr lang="en-US" b="0" i="0" dirty="0">
                 <a:effectLst/>
-                <a:latin typeface="Roboto" panose="02000000000000000000" pitchFamily="2" charset="0"/>
-                <a:hlinkClick r:id="rId3"/>
+                <a:latin typeface="fkGroteskNeue"/>
               </a:rPr>
-              <a:t>That’s why we’re eager to follow this study up with an analysis of the Caribbean American Dementia and Aging Study. </a:t>
-            </a:r>
-          </a:p>
-          <a:p>
-            <a:pPr algn="l">
-              <a:spcAft>
-                <a:spcPts val="225"/>
-              </a:spcAft>
-            </a:pPr>
-            <a:endParaRPr lang="en-US" b="0" i="0" u="none" dirty="0">
+              <a:t>And lastly, we see similar patterns with marriage. </a:t>
+            </a:r>
+          </a:p>
+          <a:p>
+            <a:endParaRPr lang="en-US" b="0" i="0" dirty="0">
               <a:effectLst/>
-              <a:latin typeface="Roboto" panose="02000000000000000000" pitchFamily="2" charset="0"/>
-              <a:hlinkClick r:id="rId3"/>
+              <a:latin typeface="fkGroteskNeue"/>
             </a:endParaRPr>
           </a:p>
           <a:p>
-            <a:pPr algn="l">
-              <a:spcAft>
-                <a:spcPts val="225"/>
-              </a:spcAft>
-            </a:pPr>
-            <a:r>
-              <a:rPr lang="en-US" b="0" i="0" u="none" dirty="0">
+            <a:r>
+              <a:rPr lang="en-US" b="0" i="0" dirty="0">
                 <a:effectLst/>
-                <a:latin typeface="Roboto" panose="02000000000000000000" pitchFamily="2" charset="0"/>
-                <a:hlinkClick r:id="rId3"/>
+                <a:latin typeface="fkGroteskNeue"/>
               </a:rPr>
-              <a:t>We’re still in the middle of data collection, but CADAS data will consist of nationally representative samples in Puerto Rico and Dominican Republic harmonized with data from Cuba</a:t>
-            </a:r>
-          </a:p>
-          <a:p>
-            <a:pPr algn="l">
-              <a:spcAft>
-                <a:spcPts val="225"/>
-              </a:spcAft>
-            </a:pPr>
-            <a:endParaRPr lang="en-US" b="0" i="0" u="none" dirty="0">
+              <a:t>Caribbean migrants are significantly less likely to be married compared to their counterparts in their home countries. </a:t>
+            </a:r>
+          </a:p>
+          <a:p>
+            <a:endParaRPr lang="en-US" b="0" i="0" dirty="0">
               <a:effectLst/>
-              <a:latin typeface="Roboto" panose="02000000000000000000" pitchFamily="2" charset="0"/>
-              <a:hlinkClick r:id="rId3"/>
+              <a:latin typeface="fkGroteskNeue"/>
             </a:endParaRPr>
           </a:p>
           <a:p>
-            <a:pPr algn="l">
-              <a:spcAft>
-                <a:spcPts val="225"/>
-              </a:spcAft>
-            </a:pPr>
-            <a:r>
-              <a:rPr lang="en-US" b="0" i="0" u="none" dirty="0">
+            <a:r>
+              <a:rPr lang="en-US" b="0" i="0" dirty="0">
                 <a:effectLst/>
-                <a:latin typeface="Roboto" panose="02000000000000000000" pitchFamily="2" charset="0"/>
-                <a:hlinkClick r:id="rId3"/>
+                <a:latin typeface="fkGroteskNeue"/>
               </a:rPr>
-              <a:t>Because it’s part of the </a:t>
-            </a:r>
-            <a:r>
-              <a:rPr lang="en-US" b="0" i="0" u="sng" dirty="0">
-                <a:effectLst/>
-                <a:latin typeface="Roboto" panose="02000000000000000000" pitchFamily="2" charset="0"/>
-                <a:hlinkClick r:id="rId3"/>
-              </a:rPr>
-              <a:t>Harmonized Cognitive Assessment Protocol, it’ll allow us to run comparative analysis of both US data like the Health and Retirement Surveys and Mexican data like MHAS. </a:t>
-            </a:r>
-          </a:p>
-          <a:p>
-            <a:pPr algn="l">
-              <a:spcAft>
-                <a:spcPts val="225"/>
-              </a:spcAft>
-            </a:pPr>
-            <a:endParaRPr lang="en-US" b="0" i="0" u="sng" dirty="0">
-              <a:effectLst/>
-              <a:latin typeface="Roboto" panose="02000000000000000000" pitchFamily="2" charset="0"/>
-              <a:hlinkClick r:id="rId3"/>
-            </a:endParaRPr>
-          </a:p>
-          <a:p>
-            <a:pPr algn="l">
-              <a:spcAft>
-                <a:spcPts val="225"/>
-              </a:spcAft>
-            </a:pPr>
-            <a:r>
-              <a:rPr lang="en-US" b="0" i="0" u="sng" dirty="0">
-                <a:effectLst/>
-                <a:latin typeface="Roboto" panose="02000000000000000000" pitchFamily="2" charset="0"/>
-                <a:hlinkClick r:id="rId3"/>
-              </a:rPr>
-              <a:t>In other words, we consider this study a first step in the direction of a more robust eventual analysis using CADAS data.</a:t>
-            </a:r>
-          </a:p>
-          <a:p>
-            <a:pPr algn="l">
-              <a:spcAft>
-                <a:spcPts val="225"/>
-              </a:spcAft>
-            </a:pPr>
-            <a:endParaRPr lang="en-US" b="0" i="0" u="sng" dirty="0">
-              <a:effectLst/>
-              <a:latin typeface="Roboto" panose="02000000000000000000" pitchFamily="2" charset="0"/>
-              <a:hlinkClick r:id="rId3"/>
-            </a:endParaRPr>
-          </a:p>
-          <a:p>
-            <a:pPr algn="l">
-              <a:spcAft>
-                <a:spcPts val="225"/>
-              </a:spcAft>
-            </a:pPr>
-            <a:r>
-              <a:rPr lang="en-US" b="0" i="0" u="sng" dirty="0">
-                <a:effectLst/>
-                <a:latin typeface="Roboto" panose="02000000000000000000" pitchFamily="2" charset="0"/>
-                <a:hlinkClick r:id="rId3"/>
-              </a:rPr>
-              <a:t>Stay tuned next year for the public release. </a:t>
-            </a:r>
+              <a:t>In contrast, Mexican migrants maintain marriage rates nearly identical to those of Mexicans living in Mexico.</a:t>
+            </a:r>
+            <a:endParaRPr lang="en-US" dirty="0"/>
           </a:p>
         </p:txBody>
       </p:sp>
@@ -2786,7 +2781,7 @@
           <a:p>
             <a:fld id="{6ADC826D-AAF9-3849-8641-F0AC1F9103F6}" type="slidenum">
               <a:rPr lang="en-US" smtClean="0"/>
-              <a:t>19</a:t>
+              <a:t>20</a:t>
             </a:fld>
             <a:endParaRPr lang="en-US"/>
           </a:p>
@@ -2795,7 +2790,7 @@
     </p:spTree>
     <p:extLst>
       <p:ext uri="{BB962C8B-B14F-4D97-AF65-F5344CB8AC3E}">
-        <p14:creationId xmlns:p14="http://schemas.microsoft.com/office/powerpoint/2010/main" val="1490383593"/>
+        <p14:creationId xmlns:p14="http://schemas.microsoft.com/office/powerpoint/2010/main" val="1870954806"/>
       </p:ext>
     </p:extLst>
   </p:cSld>
@@ -2854,7 +2849,7 @@
                 <a:effectLst/>
                 <a:latin typeface="fkGroteskNeue"/>
               </a:rPr>
-              <a:t>While research on Hispanic migrant health has primarily focused on Mexican immigrants, who represent 44 percent of older US Hispanic immigrants, much less attention has been given to Hispanic Caribbean migrants. Migrants from Puerto Rico, Dominican Republic, and Cuba collectively make up about 30 percent of all older US Hispanic immigrants.</a:t>
+              <a:t>While a lot of research on Hispanic migrant health has primarily focused on Mexican immigrants, which represent about 44 percent of the older Hispanic migrant population in the US, much less attention has been given to Caribbean Immigrants. Specifically, migrants from Puerto Rico, Dominican Republic, and Cuba collectively make up about 30 percent of all older Hispanic migrants.</a:t>
             </a:r>
           </a:p>
           <a:p>
@@ -2869,7 +2864,7 @@
                 <a:effectLst/>
                 <a:latin typeface="fkGroteskNeue"/>
               </a:rPr>
-              <a:t>However, it’s not just important to highlight these groups because of their size, but also because they’re so different from each other other along the </a:t>
+              <a:t>However, it’s not just important to highlight these groups because of their size, but also because they’re so different from each other along the </a:t>
             </a:r>
             <a:r>
               <a:rPr lang="en-US" b="0" i="0" dirty="0" err="1">
@@ -3212,7 +3207,7 @@
                 <a:effectLst/>
                 <a:latin typeface="fkGroteskNeue"/>
               </a:rPr>
-              <a:t>These sociodemographic differences stem in part from distinct home country conditions. </a:t>
+              <a:t>And these sociodemographic differences stem in part from very different home country conditions. </a:t>
             </a:r>
           </a:p>
           <a:p>
@@ -3222,30 +3217,15 @@
             </a:endParaRPr>
           </a:p>
           <a:p>
+            <a:pPr algn="l">
+              <a:buNone/>
+            </a:pPr>
             <a:r>
               <a:rPr lang="en-US" b="0" i="0" dirty="0">
                 <a:effectLst/>
                 <a:latin typeface="fkGroteskNeue"/>
               </a:rPr>
-              <a:t>Historical infant mortality rates clearly illustrate these disparities.</a:t>
-            </a:r>
-          </a:p>
-          <a:p>
-            <a:endParaRPr lang="en-US" b="0" i="0" dirty="0">
-              <a:effectLst/>
-              <a:latin typeface="fkGroteskNeue"/>
-            </a:endParaRPr>
-          </a:p>
-          <a:p>
-            <a:pPr algn="l">
-              <a:buNone/>
-            </a:pPr>
-            <a:r>
-              <a:rPr lang="en-US" b="0" i="0" dirty="0">
-                <a:effectLst/>
-                <a:latin typeface="fkGroteskNeue"/>
-              </a:rPr>
-              <a:t>Looking at this graph, where the x-axis shows time and the y-axis shows infant mortality rates, we see that in 1950, around when many people in our study were born, we see dramatically different early childhood environments across these countries.</a:t>
+              <a:t>Looking at this graph, where we plot time on the x-axis and infant mortality on the y, we see that in 1950, around when many people in our study were born, people from these four countries had dramatically different early childhood environments.</a:t>
             </a:r>
           </a:p>
           <a:p>
@@ -3264,7 +3244,7 @@
                 <a:effectLst/>
                 <a:latin typeface="fkGroteskNeue"/>
               </a:rPr>
-              <a:t>These early life conditions are important because they will have significant implications for health in later life.</a:t>
+              <a:t>These early life conditions are important because they'll have significant implications for health in later life.</a:t>
             </a:r>
           </a:p>
         </p:txBody>
@@ -3357,7 +3337,7 @@
                 <a:effectLst/>
                 <a:latin typeface="fkGroteskNeue"/>
               </a:rPr>
-              <a:t>While I mentioned these groups are understudied, there is a growing literature showing these Hispanic populations do differ significantly in health outcomes by birth country. </a:t>
+              <a:t>There is, however, a growing literature showing that these migrants do differ significantly in their health outcomes. </a:t>
             </a:r>
           </a:p>
           <a:p>
@@ -3378,7 +3358,7 @@
                 <a:effectLst/>
                 <a:latin typeface="fkGroteskNeue"/>
               </a:rPr>
-              <a:t>Researchers like our chair Marc Garcia (who ended up being quite influential to our research) have used the National Health Interview Survey to document important morbidity differences between these groups.</a:t>
+              <a:t>Researchers like our chair Marc Garcia have used the National Health Interview Survey to document important morbidity differences between these groups.</a:t>
             </a:r>
           </a:p>
           <a:p>
@@ -3413,7 +3393,7 @@
                 <a:effectLst/>
                 <a:latin typeface="fkGroteskNeue"/>
               </a:rPr>
-              <a:t>However, the NHIS offers a relatively small sample size for these populations, requiring researchers to pool data across many years to obtain sufficient numbers - for example, in Marc’s 2018 paper he had to pool across 18 years.</a:t>
+              <a:t>However, these data offer a relatively small sample size for these populations, requiring researchers to pool sometimes across 15 years or more of data to get sufficient numbers.</a:t>
             </a:r>
           </a:p>
           <a:p>
@@ -3462,7 +3442,7 @@
                 <a:effectLst/>
                 <a:latin typeface="fkGroteskNeue"/>
               </a:rPr>
-              <a:t>That's why we chose to analyze data from the 2016-20 American Community Survey, which gives us a much larger sample size and complements the health differences documented in previous research.</a:t>
+              <a:t>That's why we chose to analyze data from the 2016-20 American Community Survey, which gives us a much larger sample size and allows us to compliment the health differences documented in previous research. Or sample is so large, in fact, that all key comparisons are statistically significant and are also robust to controls, so we opted instead to present simpler unadjusted averages.</a:t>
             </a:r>
           </a:p>
           <a:p>
@@ -3497,7 +3477,7 @@
                 <a:effectLst/>
                 <a:latin typeface="fkGroteskNeue"/>
               </a:rPr>
-              <a:t>More specifically, in our analysis, we focus on key sociodemographic factors in the ACS that influence healthy aging:</a:t>
+              <a:t>More specifically, in our analysis, we focus on key sociodemographic factors available in the ACS that influence healthy aging, which are:</a:t>
             </a:r>
           </a:p>
           <a:p>
@@ -3559,104 +3539,6 @@
                 <a:latin typeface="fkGroteskNeue"/>
               </a:rPr>
               <a:t>And acculturation (English speaking ability and citizenship status)</a:t>
-            </a:r>
-          </a:p>
-          <a:p>
-            <a:pPr marL="0" marR="0" lvl="0" indent="0" algn="l" defTabSz="914400" rtl="0" eaLnBrk="1" fontAlgn="auto" latinLnBrk="0" hangingPunct="1">
-              <a:lnSpc>
-                <a:spcPct val="100000"/>
-              </a:lnSpc>
-              <a:spcBef>
-                <a:spcPts val="0"/>
-              </a:spcBef>
-              <a:spcAft>
-                <a:spcPts val="0"/>
-              </a:spcAft>
-              <a:buClrTx/>
-              <a:buSzTx/>
-              <a:buFont typeface="Arial" panose="020B0604020202020204" pitchFamily="34" charset="0"/>
-              <a:buChar char="•"/>
-              <a:tabLst/>
-              <a:defRPr/>
-            </a:pPr>
-            <a:endParaRPr lang="en-US" b="0" i="0" dirty="0">
-              <a:effectLst/>
-              <a:latin typeface="fkGroteskNeue"/>
-            </a:endParaRPr>
-          </a:p>
-          <a:p>
-            <a:pPr marL="0" marR="0" lvl="0" indent="0" algn="l" defTabSz="914400" rtl="0" eaLnBrk="1" fontAlgn="auto" latinLnBrk="0" hangingPunct="1">
-              <a:lnSpc>
-                <a:spcPct val="100000"/>
-              </a:lnSpc>
-              <a:spcBef>
-                <a:spcPts val="0"/>
-              </a:spcBef>
-              <a:spcAft>
-                <a:spcPts val="0"/>
-              </a:spcAft>
-              <a:buClrTx/>
-              <a:buSzTx/>
-              <a:buFont typeface="Arial" panose="020B0604020202020204" pitchFamily="34" charset="0"/>
-              <a:buNone/>
-              <a:tabLst/>
-              <a:defRPr/>
-            </a:pPr>
-            <a:r>
-              <a:rPr lang="en-US" b="0" i="0" dirty="0">
-                <a:effectLst/>
-                <a:latin typeface="fkGroteskNeue"/>
-              </a:rPr>
-              <a:t>Due to a large sample size, all key comparisons are statistically significant and robust to controls. </a:t>
-            </a:r>
-          </a:p>
-          <a:p>
-            <a:pPr marL="0" marR="0" lvl="0" indent="0" algn="l" defTabSz="914400" rtl="0" eaLnBrk="1" fontAlgn="auto" latinLnBrk="0" hangingPunct="1">
-              <a:lnSpc>
-                <a:spcPct val="100000"/>
-              </a:lnSpc>
-              <a:spcBef>
-                <a:spcPts val="0"/>
-              </a:spcBef>
-              <a:spcAft>
-                <a:spcPts val="0"/>
-              </a:spcAft>
-              <a:buClrTx/>
-              <a:buSzTx/>
-              <a:buFont typeface="Arial" panose="020B0604020202020204" pitchFamily="34" charset="0"/>
-              <a:buNone/>
-              <a:tabLst/>
-              <a:defRPr/>
-            </a:pPr>
-            <a:endParaRPr lang="en-US" b="0" i="0" dirty="0">
-              <a:effectLst/>
-              <a:latin typeface="fkGroteskNeue"/>
-            </a:endParaRPr>
-          </a:p>
-          <a:p>
-            <a:pPr marL="0" marR="0" lvl="0" indent="0" algn="l" defTabSz="914400" rtl="0" eaLnBrk="1" fontAlgn="auto" latinLnBrk="0" hangingPunct="1">
-              <a:lnSpc>
-                <a:spcPct val="100000"/>
-              </a:lnSpc>
-              <a:spcBef>
-                <a:spcPts val="0"/>
-              </a:spcBef>
-              <a:spcAft>
-                <a:spcPts val="0"/>
-              </a:spcAft>
-              <a:buClrTx/>
-              <a:buSzTx/>
-              <a:buFont typeface="Arial" panose="020B0604020202020204" pitchFamily="34" charset="0"/>
-              <a:buNone/>
-              <a:tabLst/>
-              <a:defRPr/>
-            </a:pPr>
-            <a:r>
-              <a:rPr lang="en-US" b="0" i="0" dirty="0">
-                <a:effectLst/>
-                <a:latin typeface="fkGroteskNeue"/>
-              </a:rPr>
-              <a:t>For simplicity, we present unadjusted averages throughout.</a:t>
             </a:r>
           </a:p>
         </p:txBody>
@@ -3746,7 +3628,7 @@
                 <a:effectLst/>
                 <a:latin typeface="fkGroteskNeue"/>
               </a:rPr>
-              <a:t>To better understand differing selection patterns, we compared US migrants to their native-country resident counterparts using international census data from IPUMS.</a:t>
+              <a:t>To better understand differing selection patterns, we compared US migrants to their native-country counterparts using international census data from IPUMS.</a:t>
             </a:r>
           </a:p>
           <a:p>
@@ -3758,7 +3640,7 @@
                 <a:effectLst/>
                 <a:latin typeface="fkGroteskNeue"/>
               </a:rPr>
-              <a:t>Because some Caribbean data are only available around 2010, we also selected census years closest to 2010 in other countries- Mexico, Puerto Rico, and Dominican Republic data are from 2010, and Cuba from 2012. We then compared these with US migrants in ACS 2008-10 data. </a:t>
+              <a:t>Because some Caribbean data are only available around 2010, we selected census years closest to 2010- Mexico, Puerto Rico, and Dominican Republic data are from 2010, and Cuba data is from 2012. We then compared these to their US migrant counterparts in the 2008-10 ACS. </a:t>
             </a:r>
           </a:p>
           <a:p>
@@ -3773,7 +3655,7 @@
                 <a:effectLst/>
                 <a:latin typeface="fkGroteskNeue"/>
               </a:rPr>
-              <a:t>Because we're interested in older age migrant health, across all samples we selected only for people that are age 60 plus at the time of being interviewed by the Census.</a:t>
+              <a:t>Across all samples we selected only for people that are age 60 and above at the time of being interviewed by the Census.</a:t>
             </a:r>
           </a:p>
           <a:p>
@@ -3872,7 +3754,7 @@
                 <a:effectLst/>
                 <a:latin typeface="fkGroteskNeue"/>
               </a:rPr>
-              <a:t>Looking first at 2020 ACS, we see significant differences in migration timing between these groups.</a:t>
+              <a:t>Looking first at 2020 the ACS, we see significant differences in migration timing between these groups.</a:t>
             </a:r>
           </a:p>
           <a:p>
@@ -3893,7 +3775,7 @@
                 <a:effectLst/>
                 <a:latin typeface="fkGroteskNeue"/>
               </a:rPr>
-              <a:t>Puerto Rico, which became a US territory in 1898 and whose residents were granted US citizenship in 1917, shows the earliest migration pattern. 41 percent of Puerto Ricans in our analysis migrated to the US before 1965.</a:t>
+              <a:t>In this plot, and in every plot I’ll show, the y axis is the proportion and the x axis is the category people from these countries fall into.</a:t>
             </a:r>
           </a:p>
           <a:p>
@@ -3906,13 +3788,34 @@
             </a:endParaRPr>
           </a:p>
           <a:p>
-            <a:pPr algn="l"/>
+            <a:pPr algn="l">
+              <a:buNone/>
+            </a:pPr>
             <a:r>
               <a:rPr lang="en-US" b="0" i="0" dirty="0">
                 <a:effectLst/>
                 <a:latin typeface="fkGroteskNeue"/>
               </a:rPr>
-              <a:t>Dominican migrants appear most similar to Mexican migrants in their migration timing, with only 8 percent reporting migration before 1965. However, Dominicans differ substantially from Mexicans in that they're the most likely to have migrated recently – the vast majority arrived in 1980 or after.</a:t>
+              <a:t>Puerto Ricans, who were granted US citizenship in 1917, show the earliest migration pattern. 41 percent of Puerto Ricans in our analysis migrated to the US before 1965.</a:t>
+            </a:r>
+          </a:p>
+          <a:p>
+            <a:pPr algn="l">
+              <a:buNone/>
+            </a:pPr>
+            <a:endParaRPr lang="en-US" b="0" i="0" dirty="0">
+              <a:effectLst/>
+              <a:latin typeface="fkGroteskNeue"/>
+            </a:endParaRPr>
+          </a:p>
+          <a:p>
+            <a:pPr algn="l"/>
+            <a:r>
+              <a:rPr lang="en-US" b="0" i="0" dirty="0">
+                <a:effectLst/>
+                <a:latin typeface="fkGroteskNeue"/>
+              </a:rPr>
+              <a:t>Despite being very different, Dominican migrants appear most like Mexican migrants in their migration timing, with only 8 percent reporting having move here before 1965. However, Dominicans are distinct in that they're the most likely to have migrated more recently – the vast majority arrived in 1980 or after.</a:t>
             </a:r>
             <a:br>
               <a:rPr lang="en-US" dirty="0"/>
@@ -4052,7 +3955,7 @@
                 <a:effectLst/>
                 <a:latin typeface="fkGroteskNeue"/>
               </a:rPr>
-              <a:t>Now let's examine migration age patterns, which connect closely to the migration timing we just discussed but also impact acculturation levels, as the amount of time spent in the US shapes cultural integration.</a:t>
+              <a:t>Now let's examine migration age patterns, which connect closely to the migration timing patterns we just discussed but also impact acculturation levels.</a:t>
             </a:r>
           </a:p>
           <a:p>
@@ -4103,18 +4006,6 @@
             <a:pPr algn="l">
               <a:buNone/>
             </a:pPr>
-            <a:r>
-              <a:rPr lang="en-US" b="0" i="0" dirty="0">
-                <a:effectLst/>
-                <a:latin typeface="fkGroteskNeue"/>
-              </a:rPr>
-              <a:t>Notably, Cubans and Dominicans are twice as likely as Mexicans to have migrated after age 50.</a:t>
-            </a:r>
-          </a:p>
-          <a:p>
-            <a:pPr algn="l">
-              <a:buNone/>
-            </a:pPr>
             <a:endParaRPr lang="en-US" b="0" i="0" dirty="0">
               <a:effectLst/>
               <a:latin typeface="fkGroteskNeue"/>
@@ -4134,6 +4025,34 @@
               </a:rPr>
               <a:t>Notes to self: lower prop migrated less than 15 could be due to mortality, </a:t>
             </a:r>
+          </a:p>
+          <a:p>
+            <a:pPr marL="0" marR="0" lvl="0" indent="0" algn="l" defTabSz="914400" rtl="0" eaLnBrk="1" fontAlgn="auto" latinLnBrk="0" hangingPunct="1">
+              <a:lnSpc>
+                <a:spcPct val="100000"/>
+              </a:lnSpc>
+              <a:spcBef>
+                <a:spcPts val="0"/>
+              </a:spcBef>
+              <a:spcAft>
+                <a:spcPts val="0"/>
+              </a:spcAft>
+              <a:buClrTx/>
+              <a:buSzTx/>
+              <a:buFontTx/>
+              <a:buNone/>
+              <a:tabLst/>
+              <a:defRPr/>
+            </a:pPr>
+            <a:r>
+              <a:rPr lang="en-US" b="0" i="0" dirty="0">
+                <a:effectLst/>
+                <a:latin typeface="fkGroteskNeue"/>
+              </a:rPr>
+              <a:t>Cubans and Dominicans are twice as likely as Mexicans to have migrated after age 50.</a:t>
+            </a:r>
+          </a:p>
+          <a:p>
             <a:endParaRPr lang="en-US" dirty="0"/>
           </a:p>
           <a:p>
@@ -4250,7 +4169,7 @@
                 <a:effectLst/>
                 <a:latin typeface="fkGroteskNeue"/>
               </a:rPr>
-              <a:t>When it comes to acculturation, we find that Cuban and Dominican migrants are distinct from Mexican migrants. </a:t>
+              <a:t>When it comes to acculturation, we find again that Cuban and Dominican migrants are distinct from Mexican migrants. </a:t>
             </a:r>
           </a:p>
           <a:p>
@@ -4276,13 +4195,15 @@
           </a:p>
           <a:p>
             <a:r>
-              <a:rPr lang="en-US" b="0" i="0" dirty="0">
+              <a:rPr lang="en-US" dirty="0">
+                <a:solidFill>
+                  <a:srgbClr val="FFFFFF"/>
+                </a:solidFill>
                 <a:effectLst/>
-                <a:latin typeface="fkGroteskNeue"/>
+                <a:latin typeface="Helvetica" pitchFamily="2" charset="0"/>
               </a:rPr>
-              <a:t>It's worth noting, however, that Cubans have historically benefited from a more accessible path to naturalization through policies that allow them to apply for permanent residency after just one year in the United States.</a:t>
-            </a:r>
-            <a:endParaRPr lang="en-US" dirty="0"/>
+              <a:t>While the effects of acculturation on health are complex, the point here is that we might expect very different health patterns by birth country because of these different acculturation patterns.</a:t>
+            </a:r>
           </a:p>
         </p:txBody>
       </p:sp>
@@ -4380,7 +4301,7 @@
                 <a:effectLst/>
                 <a:latin typeface="Helvetica" pitchFamily="2" charset="0"/>
               </a:rPr>
-              <a:t>A clearer determinant of healthy aging is education, which we find varies substantially by migrant birth country</a:t>
+              <a:t>A clearer determinant of healthy aging is education, which we find varies substantially between these groups</a:t>
             </a:r>
           </a:p>
           <a:p>
@@ -7951,6 +7872,232 @@
   <p:clrMapOvr>
     <a:masterClrMapping/>
   </p:clrMapOvr>
+  <p:timing>
+    <p:tnLst>
+      <p:par>
+        <p:cTn id="1" dur="indefinite" restart="never" nodeType="tmRoot">
+          <p:childTnLst>
+            <p:seq concurrent="1" nextAc="seek">
+              <p:cTn id="2" dur="indefinite" nodeType="mainSeq">
+                <p:childTnLst>
+                  <p:par>
+                    <p:cTn id="3" fill="hold">
+                      <p:stCondLst>
+                        <p:cond delay="indefinite"/>
+                      </p:stCondLst>
+                      <p:childTnLst>
+                        <p:par>
+                          <p:cTn id="4" fill="hold">
+                            <p:stCondLst>
+                              <p:cond delay="0"/>
+                            </p:stCondLst>
+                            <p:childTnLst>
+                              <p:par>
+                                <p:cTn id="5" presetID="1" presetClass="entr" presetSubtype="0" fill="hold" nodeType="clickEffect">
+                                  <p:stCondLst>
+                                    <p:cond delay="0"/>
+                                  </p:stCondLst>
+                                  <p:childTnLst>
+                                    <p:set>
+                                      <p:cBhvr>
+                                        <p:cTn id="6" dur="1" fill="hold">
+                                          <p:stCondLst>
+                                            <p:cond delay="0"/>
+                                          </p:stCondLst>
+                                        </p:cTn>
+                                        <p:tgtEl>
+                                          <p:spTgt spid="3">
+                                            <p:txEl>
+                                              <p:pRg st="0" end="0"/>
+                                            </p:txEl>
+                                          </p:spTgt>
+                                        </p:tgtEl>
+                                        <p:attrNameLst>
+                                          <p:attrName>style.visibility</p:attrName>
+                                        </p:attrNameLst>
+                                      </p:cBhvr>
+                                      <p:to>
+                                        <p:strVal val="visible"/>
+                                      </p:to>
+                                    </p:set>
+                                  </p:childTnLst>
+                                </p:cTn>
+                              </p:par>
+                            </p:childTnLst>
+                          </p:cTn>
+                        </p:par>
+                      </p:childTnLst>
+                    </p:cTn>
+                  </p:par>
+                  <p:par>
+                    <p:cTn id="7" fill="hold">
+                      <p:stCondLst>
+                        <p:cond delay="indefinite"/>
+                      </p:stCondLst>
+                      <p:childTnLst>
+                        <p:par>
+                          <p:cTn id="8" fill="hold">
+                            <p:stCondLst>
+                              <p:cond delay="0"/>
+                            </p:stCondLst>
+                            <p:childTnLst>
+                              <p:par>
+                                <p:cTn id="9" presetID="1" presetClass="entr" presetSubtype="0" fill="hold" nodeType="clickEffect">
+                                  <p:stCondLst>
+                                    <p:cond delay="0"/>
+                                  </p:stCondLst>
+                                  <p:childTnLst>
+                                    <p:set>
+                                      <p:cBhvr>
+                                        <p:cTn id="10" dur="1" fill="hold">
+                                          <p:stCondLst>
+                                            <p:cond delay="0"/>
+                                          </p:stCondLst>
+                                        </p:cTn>
+                                        <p:tgtEl>
+                                          <p:spTgt spid="3">
+                                            <p:txEl>
+                                              <p:pRg st="1" end="1"/>
+                                            </p:txEl>
+                                          </p:spTgt>
+                                        </p:tgtEl>
+                                        <p:attrNameLst>
+                                          <p:attrName>style.visibility</p:attrName>
+                                        </p:attrNameLst>
+                                      </p:cBhvr>
+                                      <p:to>
+                                        <p:strVal val="visible"/>
+                                      </p:to>
+                                    </p:set>
+                                  </p:childTnLst>
+                                </p:cTn>
+                              </p:par>
+                            </p:childTnLst>
+                          </p:cTn>
+                        </p:par>
+                      </p:childTnLst>
+                    </p:cTn>
+                  </p:par>
+                  <p:par>
+                    <p:cTn id="11" fill="hold">
+                      <p:stCondLst>
+                        <p:cond delay="indefinite"/>
+                      </p:stCondLst>
+                      <p:childTnLst>
+                        <p:par>
+                          <p:cTn id="12" fill="hold">
+                            <p:stCondLst>
+                              <p:cond delay="0"/>
+                            </p:stCondLst>
+                            <p:childTnLst>
+                              <p:par>
+                                <p:cTn id="13" presetID="1" presetClass="entr" presetSubtype="0" fill="hold" nodeType="clickEffect">
+                                  <p:stCondLst>
+                                    <p:cond delay="0"/>
+                                  </p:stCondLst>
+                                  <p:childTnLst>
+                                    <p:set>
+                                      <p:cBhvr>
+                                        <p:cTn id="14" dur="1" fill="hold">
+                                          <p:stCondLst>
+                                            <p:cond delay="0"/>
+                                          </p:stCondLst>
+                                        </p:cTn>
+                                        <p:tgtEl>
+                                          <p:spTgt spid="3">
+                                            <p:txEl>
+                                              <p:pRg st="2" end="2"/>
+                                            </p:txEl>
+                                          </p:spTgt>
+                                        </p:tgtEl>
+                                        <p:attrNameLst>
+                                          <p:attrName>style.visibility</p:attrName>
+                                        </p:attrNameLst>
+                                      </p:cBhvr>
+                                      <p:to>
+                                        <p:strVal val="visible"/>
+                                      </p:to>
+                                    </p:set>
+                                  </p:childTnLst>
+                                </p:cTn>
+                              </p:par>
+                            </p:childTnLst>
+                          </p:cTn>
+                        </p:par>
+                      </p:childTnLst>
+                    </p:cTn>
+                  </p:par>
+                  <p:par>
+                    <p:cTn id="15" fill="hold">
+                      <p:stCondLst>
+                        <p:cond delay="indefinite"/>
+                      </p:stCondLst>
+                      <p:childTnLst>
+                        <p:par>
+                          <p:cTn id="16" fill="hold">
+                            <p:stCondLst>
+                              <p:cond delay="0"/>
+                            </p:stCondLst>
+                            <p:childTnLst>
+                              <p:par>
+                                <p:cTn id="17" presetID="1" presetClass="entr" presetSubtype="0" fill="hold" nodeType="clickEffect">
+                                  <p:stCondLst>
+                                    <p:cond delay="0"/>
+                                  </p:stCondLst>
+                                  <p:childTnLst>
+                                    <p:set>
+                                      <p:cBhvr>
+                                        <p:cTn id="18" dur="1" fill="hold">
+                                          <p:stCondLst>
+                                            <p:cond delay="0"/>
+                                          </p:stCondLst>
+                                        </p:cTn>
+                                        <p:tgtEl>
+                                          <p:spTgt spid="3">
+                                            <p:txEl>
+                                              <p:pRg st="3" end="3"/>
+                                            </p:txEl>
+                                          </p:spTgt>
+                                        </p:tgtEl>
+                                        <p:attrNameLst>
+                                          <p:attrName>style.visibility</p:attrName>
+                                        </p:attrNameLst>
+                                      </p:cBhvr>
+                                      <p:to>
+                                        <p:strVal val="visible"/>
+                                      </p:to>
+                                    </p:set>
+                                  </p:childTnLst>
+                                </p:cTn>
+                              </p:par>
+                            </p:childTnLst>
+                          </p:cTn>
+                        </p:par>
+                      </p:childTnLst>
+                    </p:cTn>
+                  </p:par>
+                </p:childTnLst>
+              </p:cTn>
+              <p:prevCondLst>
+                <p:cond evt="onPrev" delay="0">
+                  <p:tgtEl>
+                    <p:sldTgt/>
+                  </p:tgtEl>
+                </p:cond>
+              </p:prevCondLst>
+              <p:nextCondLst>
+                <p:cond evt="onNext" delay="0">
+                  <p:tgtEl>
+                    <p:sldTgt/>
+                  </p:tgtEl>
+                </p:cond>
+              </p:nextCondLst>
+            </p:seq>
+          </p:childTnLst>
+        </p:cTn>
+      </p:par>
+    </p:tnLst>
+  </p:timing>
   <p:extLst>
     <p:ext uri="{6950BFC3-D8DA-4A85-94F7-54DA5524770B}">
       <p188:commentRel xmlns:p188="http://schemas.microsoft.com/office/powerpoint/2018/8/main" r:id="rId3"/>
@@ -8374,6 +8521,170 @@
           </a:prstGeom>
         </p:spPr>
       </p:pic>
+      <p:sp>
+        <p:nvSpPr>
+          <p:cNvPr id="5" name="Rectangle 4">
+            <a:extLst>
+              <a:ext uri="{FF2B5EF4-FFF2-40B4-BE49-F238E27FC236}">
+                <a16:creationId xmlns:a16="http://schemas.microsoft.com/office/drawing/2014/main" id="{162C53BF-858A-CEE0-46C1-E5566514E84C}"/>
+              </a:ext>
+            </a:extLst>
+          </p:cNvPr>
+          <p:cNvSpPr/>
+          <p:nvPr/>
+        </p:nvSpPr>
+        <p:spPr>
+          <a:xfrm>
+            <a:off x="487680" y="1384433"/>
+            <a:ext cx="8436187" cy="5473568"/>
+          </a:xfrm>
+          <a:prstGeom prst="rect">
+            <a:avLst/>
+          </a:prstGeom>
+          <a:solidFill>
+            <a:schemeClr val="bg1">
+              <a:alpha val="71935"/>
+            </a:schemeClr>
+          </a:solidFill>
+          <a:ln>
+            <a:solidFill>
+              <a:schemeClr val="bg1"/>
+            </a:solidFill>
+          </a:ln>
+        </p:spPr>
+        <p:style>
+          <a:lnRef idx="2">
+            <a:schemeClr val="accent1">
+              <a:shade val="15000"/>
+            </a:schemeClr>
+          </a:lnRef>
+          <a:fillRef idx="1">
+            <a:schemeClr val="accent1"/>
+          </a:fillRef>
+          <a:effectRef idx="0">
+            <a:schemeClr val="accent1"/>
+          </a:effectRef>
+          <a:fontRef idx="minor">
+            <a:schemeClr val="lt1"/>
+          </a:fontRef>
+        </p:style>
+        <p:txBody>
+          <a:bodyPr rtlCol="0" anchor="ctr"/>
+          <a:lstStyle/>
+          <a:p>
+            <a:pPr algn="ctr"/>
+            <a:endParaRPr lang="en-US"/>
+          </a:p>
+        </p:txBody>
+      </p:sp>
+      <p:sp>
+        <p:nvSpPr>
+          <p:cNvPr id="6" name="Rectangle 5">
+            <a:extLst>
+              <a:ext uri="{FF2B5EF4-FFF2-40B4-BE49-F238E27FC236}">
+                <a16:creationId xmlns:a16="http://schemas.microsoft.com/office/drawing/2014/main" id="{899039D3-811E-2349-D5DA-C35FCBE184EA}"/>
+              </a:ext>
+            </a:extLst>
+          </p:cNvPr>
+          <p:cNvSpPr/>
+          <p:nvPr/>
+        </p:nvSpPr>
+        <p:spPr>
+          <a:xfrm>
+            <a:off x="3115734" y="1384433"/>
+            <a:ext cx="5808134" cy="5473568"/>
+          </a:xfrm>
+          <a:prstGeom prst="rect">
+            <a:avLst/>
+          </a:prstGeom>
+          <a:solidFill>
+            <a:schemeClr val="bg1">
+              <a:alpha val="71935"/>
+            </a:schemeClr>
+          </a:solidFill>
+          <a:ln>
+            <a:solidFill>
+              <a:schemeClr val="bg1"/>
+            </a:solidFill>
+          </a:ln>
+        </p:spPr>
+        <p:style>
+          <a:lnRef idx="2">
+            <a:schemeClr val="accent1">
+              <a:shade val="15000"/>
+            </a:schemeClr>
+          </a:lnRef>
+          <a:fillRef idx="1">
+            <a:schemeClr val="accent1"/>
+          </a:fillRef>
+          <a:effectRef idx="0">
+            <a:schemeClr val="accent1"/>
+          </a:effectRef>
+          <a:fontRef idx="minor">
+            <a:schemeClr val="lt1"/>
+          </a:fontRef>
+        </p:style>
+        <p:txBody>
+          <a:bodyPr rtlCol="0" anchor="ctr"/>
+          <a:lstStyle/>
+          <a:p>
+            <a:pPr algn="ctr"/>
+            <a:endParaRPr lang="en-US"/>
+          </a:p>
+        </p:txBody>
+      </p:sp>
+      <p:sp>
+        <p:nvSpPr>
+          <p:cNvPr id="7" name="Rectangle 6">
+            <a:extLst>
+              <a:ext uri="{FF2B5EF4-FFF2-40B4-BE49-F238E27FC236}">
+                <a16:creationId xmlns:a16="http://schemas.microsoft.com/office/drawing/2014/main" id="{6CBC9478-E516-1A51-1928-38EC2D10353A}"/>
+              </a:ext>
+            </a:extLst>
+          </p:cNvPr>
+          <p:cNvSpPr/>
+          <p:nvPr/>
+        </p:nvSpPr>
+        <p:spPr>
+          <a:xfrm>
+            <a:off x="6091230" y="1249678"/>
+            <a:ext cx="5873797" cy="5608321"/>
+          </a:xfrm>
+          <a:prstGeom prst="rect">
+            <a:avLst/>
+          </a:prstGeom>
+          <a:noFill/>
+          <a:ln>
+            <a:solidFill>
+              <a:srgbClr val="FF0000"/>
+            </a:solidFill>
+          </a:ln>
+        </p:spPr>
+        <p:style>
+          <a:lnRef idx="2">
+            <a:schemeClr val="accent1">
+              <a:shade val="15000"/>
+            </a:schemeClr>
+          </a:lnRef>
+          <a:fillRef idx="1">
+            <a:schemeClr val="accent1"/>
+          </a:fillRef>
+          <a:effectRef idx="0">
+            <a:schemeClr val="accent1"/>
+          </a:effectRef>
+          <a:fontRef idx="minor">
+            <a:schemeClr val="lt1"/>
+          </a:fontRef>
+        </p:style>
+        <p:txBody>
+          <a:bodyPr rtlCol="0" anchor="ctr"/>
+          <a:lstStyle/>
+          <a:p>
+            <a:pPr algn="ctr"/>
+            <a:endParaRPr lang="en-US"/>
+          </a:p>
+        </p:txBody>
+      </p:sp>
     </p:spTree>
     <p:extLst>
       <p:ext uri="{BB962C8B-B14F-4D97-AF65-F5344CB8AC3E}">
@@ -8384,6 +8695,284 @@
   <p:clrMapOvr>
     <a:masterClrMapping/>
   </p:clrMapOvr>
+  <p:timing>
+    <p:tnLst>
+      <p:par>
+        <p:cTn id="1" dur="indefinite" restart="never" nodeType="tmRoot">
+          <p:childTnLst>
+            <p:seq concurrent="1" nextAc="seek">
+              <p:cTn id="2" dur="indefinite" nodeType="mainSeq">
+                <p:childTnLst>
+                  <p:par>
+                    <p:cTn id="3" fill="hold">
+                      <p:stCondLst>
+                        <p:cond delay="indefinite"/>
+                      </p:stCondLst>
+                      <p:childTnLst>
+                        <p:par>
+                          <p:cTn id="4" fill="hold">
+                            <p:stCondLst>
+                              <p:cond delay="0"/>
+                            </p:stCondLst>
+                            <p:childTnLst>
+                              <p:par>
+                                <p:cTn id="5" presetID="9" presetClass="entr" presetSubtype="0" fill="hold" grpId="0" nodeType="clickEffect">
+                                  <p:stCondLst>
+                                    <p:cond delay="0"/>
+                                  </p:stCondLst>
+                                  <p:childTnLst>
+                                    <p:set>
+                                      <p:cBhvr>
+                                        <p:cTn id="6" dur="1" fill="hold">
+                                          <p:stCondLst>
+                                            <p:cond delay="0"/>
+                                          </p:stCondLst>
+                                        </p:cTn>
+                                        <p:tgtEl>
+                                          <p:spTgt spid="5"/>
+                                        </p:tgtEl>
+                                        <p:attrNameLst>
+                                          <p:attrName>style.visibility</p:attrName>
+                                        </p:attrNameLst>
+                                      </p:cBhvr>
+                                      <p:to>
+                                        <p:strVal val="visible"/>
+                                      </p:to>
+                                    </p:set>
+                                    <p:animEffect transition="in" filter="dissolve">
+                                      <p:cBhvr>
+                                        <p:cTn id="7" dur="500"/>
+                                        <p:tgtEl>
+                                          <p:spTgt spid="5"/>
+                                        </p:tgtEl>
+                                      </p:cBhvr>
+                                    </p:animEffect>
+                                  </p:childTnLst>
+                                </p:cTn>
+                              </p:par>
+                              <p:par>
+                                <p:cTn id="8" presetID="1" presetClass="entr" presetSubtype="0" fill="hold" grpId="0" nodeType="withEffect">
+                                  <p:stCondLst>
+                                    <p:cond delay="0"/>
+                                  </p:stCondLst>
+                                  <p:childTnLst>
+                                    <p:set>
+                                      <p:cBhvr>
+                                        <p:cTn id="9" dur="1" fill="hold">
+                                          <p:stCondLst>
+                                            <p:cond delay="0"/>
+                                          </p:stCondLst>
+                                        </p:cTn>
+                                        <p:tgtEl>
+                                          <p:spTgt spid="6"/>
+                                        </p:tgtEl>
+                                        <p:attrNameLst>
+                                          <p:attrName>style.visibility</p:attrName>
+                                        </p:attrNameLst>
+                                      </p:cBhvr>
+                                      <p:to>
+                                        <p:strVal val="visible"/>
+                                      </p:to>
+                                    </p:set>
+                                  </p:childTnLst>
+                                </p:cTn>
+                              </p:par>
+                              <p:par>
+                                <p:cTn id="10" presetID="1" presetClass="exit" presetSubtype="0" fill="hold" grpId="1" nodeType="withEffect">
+                                  <p:stCondLst>
+                                    <p:cond delay="0"/>
+                                  </p:stCondLst>
+                                  <p:childTnLst>
+                                    <p:set>
+                                      <p:cBhvr>
+                                        <p:cTn id="11" dur="1" fill="hold">
+                                          <p:stCondLst>
+                                            <p:cond delay="0"/>
+                                          </p:stCondLst>
+                                        </p:cTn>
+                                        <p:tgtEl>
+                                          <p:spTgt spid="5"/>
+                                        </p:tgtEl>
+                                        <p:attrNameLst>
+                                          <p:attrName>style.visibility</p:attrName>
+                                        </p:attrNameLst>
+                                      </p:cBhvr>
+                                      <p:to>
+                                        <p:strVal val="hidden"/>
+                                      </p:to>
+                                    </p:set>
+                                  </p:childTnLst>
+                                </p:cTn>
+                              </p:par>
+                            </p:childTnLst>
+                          </p:cTn>
+                        </p:par>
+                      </p:childTnLst>
+                    </p:cTn>
+                  </p:par>
+                  <p:par>
+                    <p:cTn id="12" fill="hold">
+                      <p:stCondLst>
+                        <p:cond delay="indefinite"/>
+                      </p:stCondLst>
+                      <p:childTnLst>
+                        <p:par>
+                          <p:cTn id="13" fill="hold">
+                            <p:stCondLst>
+                              <p:cond delay="0"/>
+                            </p:stCondLst>
+                            <p:childTnLst>
+                              <p:par>
+                                <p:cTn id="14" presetID="9" presetClass="exit" presetSubtype="0" fill="hold" grpId="1" nodeType="clickEffect">
+                                  <p:stCondLst>
+                                    <p:cond delay="0"/>
+                                  </p:stCondLst>
+                                  <p:childTnLst>
+                                    <p:animEffect transition="out" filter="dissolve">
+                                      <p:cBhvr>
+                                        <p:cTn id="15" dur="500"/>
+                                        <p:tgtEl>
+                                          <p:spTgt spid="6"/>
+                                        </p:tgtEl>
+                                      </p:cBhvr>
+                                    </p:animEffect>
+                                    <p:set>
+                                      <p:cBhvr>
+                                        <p:cTn id="16" dur="1" fill="hold">
+                                          <p:stCondLst>
+                                            <p:cond delay="499"/>
+                                          </p:stCondLst>
+                                        </p:cTn>
+                                        <p:tgtEl>
+                                          <p:spTgt spid="6"/>
+                                        </p:tgtEl>
+                                        <p:attrNameLst>
+                                          <p:attrName>style.visibility</p:attrName>
+                                        </p:attrNameLst>
+                                      </p:cBhvr>
+                                      <p:to>
+                                        <p:strVal val="hidden"/>
+                                      </p:to>
+                                    </p:set>
+                                  </p:childTnLst>
+                                </p:cTn>
+                              </p:par>
+                            </p:childTnLst>
+                          </p:cTn>
+                        </p:par>
+                      </p:childTnLst>
+                    </p:cTn>
+                  </p:par>
+                  <p:par>
+                    <p:cTn id="17" fill="hold">
+                      <p:stCondLst>
+                        <p:cond delay="indefinite"/>
+                      </p:stCondLst>
+                      <p:childTnLst>
+                        <p:par>
+                          <p:cTn id="18" fill="hold">
+                            <p:stCondLst>
+                              <p:cond delay="0"/>
+                            </p:stCondLst>
+                            <p:childTnLst>
+                              <p:par>
+                                <p:cTn id="19" presetID="9" presetClass="exit" presetSubtype="0" fill="hold" grpId="2" nodeType="clickEffect">
+                                  <p:stCondLst>
+                                    <p:cond delay="0"/>
+                                  </p:stCondLst>
+                                  <p:childTnLst>
+                                    <p:animEffect transition="out" filter="dissolve">
+                                      <p:cBhvr>
+                                        <p:cTn id="20" dur="500"/>
+                                        <p:tgtEl>
+                                          <p:spTgt spid="5"/>
+                                        </p:tgtEl>
+                                      </p:cBhvr>
+                                    </p:animEffect>
+                                    <p:set>
+                                      <p:cBhvr>
+                                        <p:cTn id="21" dur="1" fill="hold">
+                                          <p:stCondLst>
+                                            <p:cond delay="499"/>
+                                          </p:stCondLst>
+                                        </p:cTn>
+                                        <p:tgtEl>
+                                          <p:spTgt spid="5"/>
+                                        </p:tgtEl>
+                                        <p:attrNameLst>
+                                          <p:attrName>style.visibility</p:attrName>
+                                        </p:attrNameLst>
+                                      </p:cBhvr>
+                                      <p:to>
+                                        <p:strVal val="hidden"/>
+                                      </p:to>
+                                    </p:set>
+                                  </p:childTnLst>
+                                </p:cTn>
+                              </p:par>
+                              <p:par>
+                                <p:cTn id="22" presetID="1" presetClass="entr" presetSubtype="0" fill="hold" grpId="0" nodeType="withEffect">
+                                  <p:stCondLst>
+                                    <p:cond delay="0"/>
+                                  </p:stCondLst>
+                                  <p:childTnLst>
+                                    <p:set>
+                                      <p:cBhvr>
+                                        <p:cTn id="23" dur="1" fill="hold">
+                                          <p:stCondLst>
+                                            <p:cond delay="0"/>
+                                          </p:stCondLst>
+                                        </p:cTn>
+                                        <p:tgtEl>
+                                          <p:spTgt spid="7"/>
+                                        </p:tgtEl>
+                                        <p:attrNameLst>
+                                          <p:attrName>style.visibility</p:attrName>
+                                        </p:attrNameLst>
+                                      </p:cBhvr>
+                                      <p:to>
+                                        <p:strVal val="visible"/>
+                                      </p:to>
+                                    </p:set>
+                                  </p:childTnLst>
+                                </p:cTn>
+                              </p:par>
+                            </p:childTnLst>
+                          </p:cTn>
+                        </p:par>
+                      </p:childTnLst>
+                    </p:cTn>
+                  </p:par>
+                </p:childTnLst>
+              </p:cTn>
+              <p:prevCondLst>
+                <p:cond evt="onPrev" delay="0">
+                  <p:tgtEl>
+                    <p:sldTgt/>
+                  </p:tgtEl>
+                </p:cond>
+              </p:prevCondLst>
+              <p:nextCondLst>
+                <p:cond evt="onNext" delay="0">
+                  <p:tgtEl>
+                    <p:sldTgt/>
+                  </p:tgtEl>
+                </p:cond>
+              </p:nextCondLst>
+            </p:seq>
+          </p:childTnLst>
+        </p:cTn>
+      </p:par>
+    </p:tnLst>
+    <p:bldLst>
+      <p:bldP spid="5" grpId="0" animBg="1"/>
+      <p:bldP spid="5" grpId="1" animBg="1"/>
+      <p:bldP spid="5" grpId="2" animBg="1"/>
+      <p:bldP spid="6" grpId="0" animBg="1"/>
+      <p:bldP spid="6" grpId="1" animBg="1"/>
+      <p:bldP spid="7" grpId="0" animBg="1"/>
+    </p:bldLst>
+  </p:timing>
   <p:extLst>
     <p:ext uri="{6950BFC3-D8DA-4A85-94F7-54DA5524770B}">
       <p188:commentRel xmlns:p188="http://schemas.microsoft.com/office/powerpoint/2018/8/main" r:id="rId3"/>
@@ -8673,6 +9262,153 @@
           </p:txBody>
         </p:sp>
       </p:grpSp>
+      <p:sp>
+        <p:nvSpPr>
+          <p:cNvPr id="5" name="Right Arrow 4">
+            <a:extLst>
+              <a:ext uri="{FF2B5EF4-FFF2-40B4-BE49-F238E27FC236}">
+                <a16:creationId xmlns:a16="http://schemas.microsoft.com/office/drawing/2014/main" id="{47932770-547F-D096-F00F-F66BE76FC650}"/>
+              </a:ext>
+            </a:extLst>
+          </p:cNvPr>
+          <p:cNvSpPr/>
+          <p:nvPr/>
+        </p:nvSpPr>
+        <p:spPr>
+          <a:xfrm rot="5400000">
+            <a:off x="1010323" y="3598983"/>
+            <a:ext cx="544755" cy="634999"/>
+          </a:xfrm>
+          <a:prstGeom prst="rightArrow">
+            <a:avLst/>
+          </a:prstGeom>
+          <a:solidFill>
+            <a:srgbClr val="C00000"/>
+          </a:solidFill>
+        </p:spPr>
+        <p:style>
+          <a:lnRef idx="2">
+            <a:schemeClr val="accent1">
+              <a:shade val="15000"/>
+            </a:schemeClr>
+          </a:lnRef>
+          <a:fillRef idx="1">
+            <a:schemeClr val="accent1"/>
+          </a:fillRef>
+          <a:effectRef idx="0">
+            <a:schemeClr val="accent1"/>
+          </a:effectRef>
+          <a:fontRef idx="minor">
+            <a:schemeClr val="lt1"/>
+          </a:fontRef>
+        </p:style>
+        <p:txBody>
+          <a:bodyPr rtlCol="0" anchor="ctr"/>
+          <a:lstStyle/>
+          <a:p>
+            <a:pPr algn="ctr"/>
+            <a:endParaRPr lang="en-US"/>
+          </a:p>
+        </p:txBody>
+      </p:sp>
+      <p:sp>
+        <p:nvSpPr>
+          <p:cNvPr id="6" name="Right Arrow 5">
+            <a:extLst>
+              <a:ext uri="{FF2B5EF4-FFF2-40B4-BE49-F238E27FC236}">
+                <a16:creationId xmlns:a16="http://schemas.microsoft.com/office/drawing/2014/main" id="{1605E0C3-CE5B-04B2-4E81-7CDA9D353E33}"/>
+              </a:ext>
+            </a:extLst>
+          </p:cNvPr>
+          <p:cNvSpPr/>
+          <p:nvPr/>
+        </p:nvSpPr>
+        <p:spPr>
+          <a:xfrm rot="5400000">
+            <a:off x="2280323" y="3177147"/>
+            <a:ext cx="544755" cy="634999"/>
+          </a:xfrm>
+          <a:prstGeom prst="rightArrow">
+            <a:avLst/>
+          </a:prstGeom>
+          <a:solidFill>
+            <a:srgbClr val="C00000"/>
+          </a:solidFill>
+        </p:spPr>
+        <p:style>
+          <a:lnRef idx="2">
+            <a:schemeClr val="accent1">
+              <a:shade val="15000"/>
+            </a:schemeClr>
+          </a:lnRef>
+          <a:fillRef idx="1">
+            <a:schemeClr val="accent1"/>
+          </a:fillRef>
+          <a:effectRef idx="0">
+            <a:schemeClr val="accent1"/>
+          </a:effectRef>
+          <a:fontRef idx="minor">
+            <a:schemeClr val="lt1"/>
+          </a:fontRef>
+        </p:style>
+        <p:txBody>
+          <a:bodyPr rtlCol="0" anchor="ctr"/>
+          <a:lstStyle/>
+          <a:p>
+            <a:pPr algn="ctr"/>
+            <a:endParaRPr lang="en-US"/>
+          </a:p>
+        </p:txBody>
+      </p:sp>
+      <p:sp>
+        <p:nvSpPr>
+          <p:cNvPr id="7" name="Right Arrow 6">
+            <a:extLst>
+              <a:ext uri="{FF2B5EF4-FFF2-40B4-BE49-F238E27FC236}">
+                <a16:creationId xmlns:a16="http://schemas.microsoft.com/office/drawing/2014/main" id="{9512FA4D-0362-5676-37CA-6A5934F5532D}"/>
+              </a:ext>
+            </a:extLst>
+          </p:cNvPr>
+          <p:cNvSpPr/>
+          <p:nvPr/>
+        </p:nvSpPr>
+        <p:spPr>
+          <a:xfrm rot="5400000">
+            <a:off x="7046357" y="1896262"/>
+            <a:ext cx="544755" cy="634999"/>
+          </a:xfrm>
+          <a:prstGeom prst="rightArrow">
+            <a:avLst/>
+          </a:prstGeom>
+          <a:solidFill>
+            <a:srgbClr val="C00000"/>
+          </a:solidFill>
+        </p:spPr>
+        <p:style>
+          <a:lnRef idx="2">
+            <a:schemeClr val="accent1">
+              <a:shade val="15000"/>
+            </a:schemeClr>
+          </a:lnRef>
+          <a:fillRef idx="1">
+            <a:schemeClr val="accent1"/>
+          </a:fillRef>
+          <a:effectRef idx="0">
+            <a:schemeClr val="accent1"/>
+          </a:effectRef>
+          <a:fontRef idx="minor">
+            <a:schemeClr val="lt1"/>
+          </a:fontRef>
+        </p:style>
+        <p:txBody>
+          <a:bodyPr rtlCol="0" anchor="ctr"/>
+          <a:lstStyle/>
+          <a:p>
+            <a:pPr algn="ctr"/>
+            <a:endParaRPr lang="en-US"/>
+          </a:p>
+        </p:txBody>
+      </p:sp>
     </p:spTree>
     <p:extLst>
       <p:ext uri="{BB962C8B-B14F-4D97-AF65-F5344CB8AC3E}">
@@ -8683,6 +9419,232 @@
   <p:clrMapOvr>
     <a:masterClrMapping/>
   </p:clrMapOvr>
+  <p:timing>
+    <p:tnLst>
+      <p:par>
+        <p:cTn id="1" dur="indefinite" restart="never" nodeType="tmRoot">
+          <p:childTnLst>
+            <p:seq concurrent="1" nextAc="seek">
+              <p:cTn id="2" dur="indefinite" nodeType="mainSeq">
+                <p:childTnLst>
+                  <p:par>
+                    <p:cTn id="3" fill="hold">
+                      <p:stCondLst>
+                        <p:cond delay="indefinite"/>
+                      </p:stCondLst>
+                      <p:childTnLst>
+                        <p:par>
+                          <p:cTn id="4" fill="hold">
+                            <p:stCondLst>
+                              <p:cond delay="0"/>
+                            </p:stCondLst>
+                            <p:childTnLst>
+                              <p:par>
+                                <p:cTn id="5" presetID="1" presetClass="entr" presetSubtype="0" fill="hold" grpId="0" nodeType="clickEffect">
+                                  <p:stCondLst>
+                                    <p:cond delay="0"/>
+                                  </p:stCondLst>
+                                  <p:childTnLst>
+                                    <p:set>
+                                      <p:cBhvr>
+                                        <p:cTn id="6" dur="1" fill="hold">
+                                          <p:stCondLst>
+                                            <p:cond delay="0"/>
+                                          </p:stCondLst>
+                                        </p:cTn>
+                                        <p:tgtEl>
+                                          <p:spTgt spid="5"/>
+                                        </p:tgtEl>
+                                        <p:attrNameLst>
+                                          <p:attrName>style.visibility</p:attrName>
+                                        </p:attrNameLst>
+                                      </p:cBhvr>
+                                      <p:to>
+                                        <p:strVal val="visible"/>
+                                      </p:to>
+                                    </p:set>
+                                  </p:childTnLst>
+                                </p:cTn>
+                              </p:par>
+                            </p:childTnLst>
+                          </p:cTn>
+                        </p:par>
+                      </p:childTnLst>
+                    </p:cTn>
+                  </p:par>
+                  <p:par>
+                    <p:cTn id="7" fill="hold">
+                      <p:stCondLst>
+                        <p:cond delay="indefinite"/>
+                      </p:stCondLst>
+                      <p:childTnLst>
+                        <p:par>
+                          <p:cTn id="8" fill="hold">
+                            <p:stCondLst>
+                              <p:cond delay="0"/>
+                            </p:stCondLst>
+                            <p:childTnLst>
+                              <p:par>
+                                <p:cTn id="9" presetID="1" presetClass="entr" presetSubtype="0" fill="hold" grpId="0" nodeType="clickEffect">
+                                  <p:stCondLst>
+                                    <p:cond delay="0"/>
+                                  </p:stCondLst>
+                                  <p:childTnLst>
+                                    <p:set>
+                                      <p:cBhvr>
+                                        <p:cTn id="10" dur="1" fill="hold">
+                                          <p:stCondLst>
+                                            <p:cond delay="0"/>
+                                          </p:stCondLst>
+                                        </p:cTn>
+                                        <p:tgtEl>
+                                          <p:spTgt spid="6"/>
+                                        </p:tgtEl>
+                                        <p:attrNameLst>
+                                          <p:attrName>style.visibility</p:attrName>
+                                        </p:attrNameLst>
+                                      </p:cBhvr>
+                                      <p:to>
+                                        <p:strVal val="visible"/>
+                                      </p:to>
+                                    </p:set>
+                                  </p:childTnLst>
+                                </p:cTn>
+                              </p:par>
+                              <p:par>
+                                <p:cTn id="11" presetID="1" presetClass="exit" presetSubtype="0" fill="hold" grpId="1" nodeType="withEffect">
+                                  <p:stCondLst>
+                                    <p:cond delay="0"/>
+                                  </p:stCondLst>
+                                  <p:childTnLst>
+                                    <p:set>
+                                      <p:cBhvr>
+                                        <p:cTn id="12" dur="1" fill="hold">
+                                          <p:stCondLst>
+                                            <p:cond delay="0"/>
+                                          </p:stCondLst>
+                                        </p:cTn>
+                                        <p:tgtEl>
+                                          <p:spTgt spid="5"/>
+                                        </p:tgtEl>
+                                        <p:attrNameLst>
+                                          <p:attrName>style.visibility</p:attrName>
+                                        </p:attrNameLst>
+                                      </p:cBhvr>
+                                      <p:to>
+                                        <p:strVal val="hidden"/>
+                                      </p:to>
+                                    </p:set>
+                                  </p:childTnLst>
+                                </p:cTn>
+                              </p:par>
+                            </p:childTnLst>
+                          </p:cTn>
+                        </p:par>
+                      </p:childTnLst>
+                    </p:cTn>
+                  </p:par>
+                  <p:par>
+                    <p:cTn id="13" fill="hold">
+                      <p:stCondLst>
+                        <p:cond delay="indefinite"/>
+                      </p:stCondLst>
+                      <p:childTnLst>
+                        <p:par>
+                          <p:cTn id="14" fill="hold">
+                            <p:stCondLst>
+                              <p:cond delay="0"/>
+                            </p:stCondLst>
+                            <p:childTnLst>
+                              <p:par>
+                                <p:cTn id="15" presetID="1" presetClass="entr" presetSubtype="0" fill="hold" grpId="0" nodeType="clickEffect">
+                                  <p:stCondLst>
+                                    <p:cond delay="0"/>
+                                  </p:stCondLst>
+                                  <p:childTnLst>
+                                    <p:set>
+                                      <p:cBhvr>
+                                        <p:cTn id="16" dur="1" fill="hold">
+                                          <p:stCondLst>
+                                            <p:cond delay="0"/>
+                                          </p:stCondLst>
+                                        </p:cTn>
+                                        <p:tgtEl>
+                                          <p:spTgt spid="7"/>
+                                        </p:tgtEl>
+                                        <p:attrNameLst>
+                                          <p:attrName>style.visibility</p:attrName>
+                                        </p:attrNameLst>
+                                      </p:cBhvr>
+                                      <p:to>
+                                        <p:strVal val="visible"/>
+                                      </p:to>
+                                    </p:set>
+                                  </p:childTnLst>
+                                </p:cTn>
+                              </p:par>
+                              <p:par>
+                                <p:cTn id="17" presetID="1" presetClass="exit" presetSubtype="0" fill="hold" grpId="1" nodeType="withEffect">
+                                  <p:stCondLst>
+                                    <p:cond delay="0"/>
+                                  </p:stCondLst>
+                                  <p:childTnLst>
+                                    <p:set>
+                                      <p:cBhvr>
+                                        <p:cTn id="18" dur="1" fill="hold">
+                                          <p:stCondLst>
+                                            <p:cond delay="0"/>
+                                          </p:stCondLst>
+                                        </p:cTn>
+                                        <p:tgtEl>
+                                          <p:spTgt spid="6"/>
+                                        </p:tgtEl>
+                                        <p:attrNameLst>
+                                          <p:attrName>style.visibility</p:attrName>
+                                        </p:attrNameLst>
+                                      </p:cBhvr>
+                                      <p:to>
+                                        <p:strVal val="hidden"/>
+                                      </p:to>
+                                    </p:set>
+                                  </p:childTnLst>
+                                </p:cTn>
+                              </p:par>
+                            </p:childTnLst>
+                          </p:cTn>
+                        </p:par>
+                      </p:childTnLst>
+                    </p:cTn>
+                  </p:par>
+                </p:childTnLst>
+              </p:cTn>
+              <p:prevCondLst>
+                <p:cond evt="onPrev" delay="0">
+                  <p:tgtEl>
+                    <p:sldTgt/>
+                  </p:tgtEl>
+                </p:cond>
+              </p:prevCondLst>
+              <p:nextCondLst>
+                <p:cond evt="onNext" delay="0">
+                  <p:tgtEl>
+                    <p:sldTgt/>
+                  </p:tgtEl>
+                </p:cond>
+              </p:nextCondLst>
+            </p:seq>
+          </p:childTnLst>
+        </p:cTn>
+      </p:par>
+    </p:tnLst>
+    <p:bldLst>
+      <p:bldP spid="5" grpId="0" animBg="1"/>
+      <p:bldP spid="5" grpId="1" animBg="1"/>
+      <p:bldP spid="6" grpId="0" animBg="1"/>
+      <p:bldP spid="6" grpId="1" animBg="1"/>
+      <p:bldP spid="7" grpId="0" animBg="1"/>
+    </p:bldLst>
+  </p:timing>
   <p:extLst>
     <p:ext uri="{6950BFC3-D8DA-4A85-94F7-54DA5524770B}">
       <p188:commentRel xmlns:p188="http://schemas.microsoft.com/office/powerpoint/2018/8/main" r:id="rId3"/>
@@ -8898,6 +9860,58 @@
           </a:p>
         </p:txBody>
       </p:sp>
+      <p:sp>
+        <p:nvSpPr>
+          <p:cNvPr id="12" name="Rectangle 11">
+            <a:extLst>
+              <a:ext uri="{FF2B5EF4-FFF2-40B4-BE49-F238E27FC236}">
+                <a16:creationId xmlns:a16="http://schemas.microsoft.com/office/drawing/2014/main" id="{4ADFFC58-83A5-2E98-96F9-640466D3E223}"/>
+              </a:ext>
+            </a:extLst>
+          </p:cNvPr>
+          <p:cNvSpPr/>
+          <p:nvPr/>
+        </p:nvSpPr>
+        <p:spPr>
+          <a:xfrm>
+            <a:off x="2912534" y="1312109"/>
+            <a:ext cx="9052494" cy="5545890"/>
+          </a:xfrm>
+          <a:prstGeom prst="rect">
+            <a:avLst/>
+          </a:prstGeom>
+          <a:noFill/>
+          <a:ln>
+            <a:solidFill>
+              <a:srgbClr val="FF0000"/>
+            </a:solidFill>
+          </a:ln>
+        </p:spPr>
+        <p:style>
+          <a:lnRef idx="2">
+            <a:schemeClr val="accent1">
+              <a:shade val="15000"/>
+            </a:schemeClr>
+          </a:lnRef>
+          <a:fillRef idx="1">
+            <a:schemeClr val="accent1"/>
+          </a:fillRef>
+          <a:effectRef idx="0">
+            <a:schemeClr val="accent1"/>
+          </a:effectRef>
+          <a:fontRef idx="minor">
+            <a:schemeClr val="lt1"/>
+          </a:fontRef>
+        </p:style>
+        <p:txBody>
+          <a:bodyPr rtlCol="0" anchor="ctr"/>
+          <a:lstStyle/>
+          <a:p>
+            <a:pPr algn="ctr"/>
+            <a:endParaRPr lang="en-US"/>
+          </a:p>
+        </p:txBody>
+      </p:sp>
     </p:spTree>
     <p:extLst>
       <p:ext uri="{BB962C8B-B14F-4D97-AF65-F5344CB8AC3E}">
@@ -8908,6 +9922,84 @@
   <p:clrMapOvr>
     <a:masterClrMapping/>
   </p:clrMapOvr>
+  <p:timing>
+    <p:tnLst>
+      <p:par>
+        <p:cTn id="1" dur="indefinite" restart="never" nodeType="tmRoot">
+          <p:childTnLst>
+            <p:seq concurrent="1" nextAc="seek">
+              <p:cTn id="2" dur="indefinite" nodeType="mainSeq">
+                <p:childTnLst>
+                  <p:par>
+                    <p:cTn id="3" fill="hold">
+                      <p:stCondLst>
+                        <p:cond delay="indefinite"/>
+                      </p:stCondLst>
+                      <p:childTnLst>
+                        <p:par>
+                          <p:cTn id="4" fill="hold">
+                            <p:stCondLst>
+                              <p:cond delay="0"/>
+                            </p:stCondLst>
+                            <p:childTnLst>
+                              <p:par>
+                                <p:cTn id="5" presetID="1" presetClass="entr" presetSubtype="0" fill="hold" grpId="0" nodeType="clickEffect">
+                                  <p:stCondLst>
+                                    <p:cond delay="0"/>
+                                  </p:stCondLst>
+                                  <p:childTnLst>
+                                    <p:set>
+                                      <p:cBhvr>
+                                        <p:cTn id="6" dur="1" fill="hold">
+                                          <p:stCondLst>
+                                            <p:cond delay="0"/>
+                                          </p:stCondLst>
+                                        </p:cTn>
+                                        <p:tgtEl>
+                                          <p:spTgt spid="12"/>
+                                        </p:tgtEl>
+                                        <p:attrNameLst>
+                                          <p:attrName>style.visibility</p:attrName>
+                                        </p:attrNameLst>
+                                      </p:cBhvr>
+                                      <p:to>
+                                        <p:strVal val="visible"/>
+                                      </p:to>
+                                    </p:set>
+                                  </p:childTnLst>
+                                </p:cTn>
+                              </p:par>
+                            </p:childTnLst>
+                          </p:cTn>
+                        </p:par>
+                      </p:childTnLst>
+                    </p:cTn>
+                  </p:par>
+                </p:childTnLst>
+              </p:cTn>
+              <p:prevCondLst>
+                <p:cond evt="onPrev" delay="0">
+                  <p:tgtEl>
+                    <p:sldTgt/>
+                  </p:tgtEl>
+                </p:cond>
+              </p:prevCondLst>
+              <p:nextCondLst>
+                <p:cond evt="onNext" delay="0">
+                  <p:tgtEl>
+                    <p:sldTgt/>
+                  </p:tgtEl>
+                </p:cond>
+              </p:nextCondLst>
+            </p:seq>
+          </p:childTnLst>
+        </p:cTn>
+      </p:par>
+    </p:tnLst>
+    <p:bldLst>
+      <p:bldP spid="12" grpId="0" animBg="1"/>
+    </p:bldLst>
+  </p:timing>
   <p:extLst>
     <p:ext uri="{6950BFC3-D8DA-4A85-94F7-54DA5524770B}">
       <p188:commentRel xmlns:p188="http://schemas.microsoft.com/office/powerpoint/2018/8/main" r:id="rId3"/>
@@ -8917,231 +10009,6 @@
 </file>
 
 <file path=ppt/slides/slide15.xml><?xml version="1.0" encoding="utf-8"?>
-<p:sld xmlns:a="http://schemas.openxmlformats.org/drawingml/2006/main" xmlns:r="http://schemas.openxmlformats.org/officeDocument/2006/relationships" xmlns:p="http://schemas.openxmlformats.org/presentationml/2006/main">
-  <p:cSld>
-    <p:spTree>
-      <p:nvGrpSpPr>
-        <p:cNvPr id="1" name="">
-          <a:extLst>
-            <a:ext uri="{FF2B5EF4-FFF2-40B4-BE49-F238E27FC236}">
-              <a16:creationId xmlns:a16="http://schemas.microsoft.com/office/drawing/2014/main" id="{F0F75750-7BC1-DC9E-0D1B-C64EFF11413F}"/>
-            </a:ext>
-          </a:extLst>
-        </p:cNvPr>
-        <p:cNvGrpSpPr/>
-        <p:nvPr/>
-      </p:nvGrpSpPr>
-      <p:grpSpPr>
-        <a:xfrm>
-          <a:off x="0" y="0"/>
-          <a:ext cx="0" cy="0"/>
-          <a:chOff x="0" y="0"/>
-          <a:chExt cx="0" cy="0"/>
-        </a:xfrm>
-      </p:grpSpPr>
-      <p:sp>
-        <p:nvSpPr>
-          <p:cNvPr id="2" name="Title 1">
-            <a:extLst>
-              <a:ext uri="{FF2B5EF4-FFF2-40B4-BE49-F238E27FC236}">
-                <a16:creationId xmlns:a16="http://schemas.microsoft.com/office/drawing/2014/main" id="{E74B2CEB-DA02-82A0-0078-96AEC9AD6536}"/>
-              </a:ext>
-            </a:extLst>
-          </p:cNvPr>
-          <p:cNvSpPr>
-            <a:spLocks noGrp="1"/>
-          </p:cNvSpPr>
-          <p:nvPr>
-            <p:ph type="title"/>
-          </p:nvPr>
-        </p:nvSpPr>
-        <p:spPr>
-          <a:xfrm>
-            <a:off x="838200" y="0"/>
-            <a:ext cx="10515600" cy="1325563"/>
-          </a:xfrm>
-        </p:spPr>
-        <p:txBody>
-          <a:bodyPr/>
-          <a:lstStyle/>
-          <a:p>
-            <a:r>
-              <a:rPr lang="en-US" dirty="0"/>
-              <a:t>Native country residents are more likely to be married</a:t>
-            </a:r>
-          </a:p>
-        </p:txBody>
-      </p:sp>
-      <p:sp>
-        <p:nvSpPr>
-          <p:cNvPr id="6" name="TextBox 5">
-            <a:extLst>
-              <a:ext uri="{FF2B5EF4-FFF2-40B4-BE49-F238E27FC236}">
-                <a16:creationId xmlns:a16="http://schemas.microsoft.com/office/drawing/2014/main" id="{51E97FB0-B51A-ADFE-D70A-7DEEB40CB6CA}"/>
-              </a:ext>
-            </a:extLst>
-          </p:cNvPr>
-          <p:cNvSpPr txBox="1"/>
-          <p:nvPr/>
-        </p:nvSpPr>
-        <p:spPr>
-          <a:xfrm>
-            <a:off x="5004816" y="985666"/>
-            <a:ext cx="2182368" cy="369332"/>
-          </a:xfrm>
-          <a:prstGeom prst="rect">
-            <a:avLst/>
-          </a:prstGeom>
-          <a:noFill/>
-        </p:spPr>
-        <p:txBody>
-          <a:bodyPr wrap="square" rtlCol="0">
-            <a:spAutoFit/>
-          </a:bodyPr>
-          <a:lstStyle/>
-          <a:p>
-            <a:r>
-              <a:rPr lang="en-US" dirty="0"/>
-              <a:t>Proportion Married</a:t>
-            </a:r>
-          </a:p>
-        </p:txBody>
-      </p:sp>
-      <p:pic>
-        <p:nvPicPr>
-          <p:cNvPr id="3" name="Picture 2">
-            <a:extLst>
-              <a:ext uri="{FF2B5EF4-FFF2-40B4-BE49-F238E27FC236}">
-                <a16:creationId xmlns:a16="http://schemas.microsoft.com/office/drawing/2014/main" id="{89D0066F-205B-51FA-635E-4181FE10E8EC}"/>
-              </a:ext>
-            </a:extLst>
-          </p:cNvPr>
-          <p:cNvPicPr>
-            <a:picLocks noChangeAspect="1"/>
-          </p:cNvPicPr>
-          <p:nvPr/>
-        </p:nvPicPr>
-        <p:blipFill>
-          <a:blip r:embed="rId4"/>
-          <a:srcRect/>
-          <a:stretch/>
-        </p:blipFill>
-        <p:spPr>
-          <a:xfrm>
-            <a:off x="487680" y="1384432"/>
-            <a:ext cx="11216640" cy="5608320"/>
-          </a:xfrm>
-          <a:prstGeom prst="rect">
-            <a:avLst/>
-          </a:prstGeom>
-        </p:spPr>
-      </p:pic>
-      <p:pic>
-        <p:nvPicPr>
-          <p:cNvPr id="5" name="Picture 4" descr="American Community Survey (ACS) – Roadmap to the 2030 Census">
-            <a:extLst>
-              <a:ext uri="{FF2B5EF4-FFF2-40B4-BE49-F238E27FC236}">
-                <a16:creationId xmlns:a16="http://schemas.microsoft.com/office/drawing/2014/main" id="{0C5151A4-C2C1-0D33-928D-4509A0193BA9}"/>
-              </a:ext>
-            </a:extLst>
-          </p:cNvPr>
-          <p:cNvPicPr>
-            <a:picLocks noChangeAspect="1" noChangeArrowheads="1"/>
-          </p:cNvPicPr>
-          <p:nvPr/>
-        </p:nvPicPr>
-        <p:blipFill>
-          <a:blip r:embed="rId5">
-            <a:extLst>
-              <a:ext uri="{28A0092B-C50C-407E-A947-70E740481C1C}">
-                <a14:useLocalDpi xmlns:a14="http://schemas.microsoft.com/office/drawing/2010/main" val="0"/>
-              </a:ext>
-            </a:extLst>
-          </a:blip>
-          <a:srcRect/>
-          <a:stretch>
-            <a:fillRect/>
-          </a:stretch>
-        </p:blipFill>
-        <p:spPr bwMode="auto">
-          <a:xfrm>
-            <a:off x="11214652" y="132392"/>
-            <a:ext cx="750376" cy="750376"/>
-          </a:xfrm>
-          <a:prstGeom prst="rect">
-            <a:avLst/>
-          </a:prstGeom>
-          <a:noFill/>
-          <a:extLst>
-            <a:ext uri="{909E8E84-426E-40DD-AFC4-6F175D3DCCD1}">
-              <a14:hiddenFill xmlns:a14="http://schemas.microsoft.com/office/drawing/2010/main">
-                <a:solidFill>
-                  <a:srgbClr val="FFFFFF"/>
-                </a:solidFill>
-              </a14:hiddenFill>
-            </a:ext>
-          </a:extLst>
-        </p:spPr>
-      </p:pic>
-      <p:sp>
-        <p:nvSpPr>
-          <p:cNvPr id="7" name="TextBox 6">
-            <a:extLst>
-              <a:ext uri="{FF2B5EF4-FFF2-40B4-BE49-F238E27FC236}">
-                <a16:creationId xmlns:a16="http://schemas.microsoft.com/office/drawing/2014/main" id="{B974C7A4-D242-2E3C-C372-378718665824}"/>
-              </a:ext>
-            </a:extLst>
-          </p:cNvPr>
-          <p:cNvSpPr txBox="1"/>
-          <p:nvPr/>
-        </p:nvSpPr>
-        <p:spPr>
-          <a:xfrm>
-            <a:off x="11180362" y="914686"/>
-            <a:ext cx="904830" cy="338554"/>
-          </a:xfrm>
-          <a:prstGeom prst="rect">
-            <a:avLst/>
-          </a:prstGeom>
-          <a:noFill/>
-        </p:spPr>
-        <p:txBody>
-          <a:bodyPr wrap="square" rtlCol="0">
-            <a:spAutoFit/>
-          </a:bodyPr>
-          <a:lstStyle/>
-          <a:p>
-            <a:r>
-              <a:rPr lang="en-US" sz="1600" dirty="0">
-                <a:latin typeface="Abadi MT Condensed Light" panose="020B0306030101010103" pitchFamily="34" charset="77"/>
-              </a:rPr>
-              <a:t>2008-10</a:t>
-            </a:r>
-            <a:endParaRPr lang="en-US" dirty="0">
-              <a:latin typeface="Abadi MT Condensed Light" panose="020B0306030101010103" pitchFamily="34" charset="77"/>
-            </a:endParaRPr>
-          </a:p>
-        </p:txBody>
-      </p:sp>
-    </p:spTree>
-    <p:extLst>
-      <p:ext uri="{BB962C8B-B14F-4D97-AF65-F5344CB8AC3E}">
-        <p14:creationId xmlns:p14="http://schemas.microsoft.com/office/powerpoint/2010/main" val="3894427938"/>
-      </p:ext>
-    </p:extLst>
-  </p:cSld>
-  <p:clrMapOvr>
-    <a:masterClrMapping/>
-  </p:clrMapOvr>
-  <p:extLst>
-    <p:ext uri="{6950BFC3-D8DA-4A85-94F7-54DA5524770B}">
-      <p188:commentRel xmlns:p188="http://schemas.microsoft.com/office/powerpoint/2018/8/main" r:id="rId3"/>
-    </p:ext>
-  </p:extLst>
-</p:sld>
-</file>
-
-<file path=ppt/slides/slide16.xml><?xml version="1.0" encoding="utf-8"?>
 <p:sld xmlns:a="http://schemas.openxmlformats.org/drawingml/2006/main" xmlns:r="http://schemas.openxmlformats.org/officeDocument/2006/relationships" xmlns:p="http://schemas.openxmlformats.org/presentationml/2006/main">
   <p:cSld>
     <p:spTree>
@@ -9276,7 +10143,7 @@
 </p:sld>
 </file>
 
-<file path=ppt/slides/slide17.xml><?xml version="1.0" encoding="utf-8"?>
+<file path=ppt/slides/slide16.xml><?xml version="1.0" encoding="utf-8"?>
 <p:sld xmlns:a="http://schemas.openxmlformats.org/drawingml/2006/main" xmlns:r="http://schemas.openxmlformats.org/officeDocument/2006/relationships" xmlns:p="http://schemas.openxmlformats.org/presentationml/2006/main">
   <p:cSld>
     <p:spTree>
@@ -9373,7 +10240,7 @@
 </p:sld>
 </file>
 
-<file path=ppt/slides/slide18.xml><?xml version="1.0" encoding="utf-8"?>
+<file path=ppt/slides/slide17.xml><?xml version="1.0" encoding="utf-8"?>
 <p:sld xmlns:a="http://schemas.openxmlformats.org/drawingml/2006/main" xmlns:r="http://schemas.openxmlformats.org/officeDocument/2006/relationships" xmlns:p="http://schemas.openxmlformats.org/presentationml/2006/main">
   <p:cSld>
     <p:spTree>
@@ -9489,10 +10356,89 @@
   <p:clrMapOvr>
     <a:masterClrMapping/>
   </p:clrMapOvr>
+  <p:timing>
+    <p:tnLst>
+      <p:par>
+        <p:cTn id="1" dur="indefinite" restart="never" nodeType="tmRoot">
+          <p:childTnLst>
+            <p:seq concurrent="1" nextAc="seek">
+              <p:cTn id="2" dur="indefinite" nodeType="mainSeq">
+                <p:childTnLst>
+                  <p:par>
+                    <p:cTn id="3" fill="hold">
+                      <p:stCondLst>
+                        <p:cond delay="indefinite"/>
+                      </p:stCondLst>
+                      <p:childTnLst>
+                        <p:par>
+                          <p:cTn id="4" fill="hold">
+                            <p:stCondLst>
+                              <p:cond delay="0"/>
+                            </p:stCondLst>
+                            <p:childTnLst>
+                              <p:par>
+                                <p:cTn id="5" presetID="1" presetClass="entr" presetSubtype="0" fill="hold" nodeType="clickEffect">
+                                  <p:stCondLst>
+                                    <p:cond delay="0"/>
+                                  </p:stCondLst>
+                                  <p:childTnLst>
+                                    <p:set>
+                                      <p:cBhvr>
+                                        <p:cTn id="6" dur="1" fill="hold">
+                                          <p:stCondLst>
+                                            <p:cond delay="0"/>
+                                          </p:stCondLst>
+                                        </p:cTn>
+                                        <p:tgtEl>
+                                          <p:spTgt spid="3">
+                                            <p:txEl>
+                                              <p:pRg st="3" end="3"/>
+                                            </p:txEl>
+                                          </p:spTgt>
+                                        </p:tgtEl>
+                                        <p:attrNameLst>
+                                          <p:attrName>style.visibility</p:attrName>
+                                        </p:attrNameLst>
+                                      </p:cBhvr>
+                                      <p:to>
+                                        <p:strVal val="visible"/>
+                                      </p:to>
+                                    </p:set>
+                                  </p:childTnLst>
+                                </p:cTn>
+                              </p:par>
+                            </p:childTnLst>
+                          </p:cTn>
+                        </p:par>
+                      </p:childTnLst>
+                    </p:cTn>
+                  </p:par>
+                </p:childTnLst>
+              </p:cTn>
+              <p:prevCondLst>
+                <p:cond evt="onPrev" delay="0">
+                  <p:tgtEl>
+                    <p:sldTgt/>
+                  </p:tgtEl>
+                </p:cond>
+              </p:prevCondLst>
+              <p:nextCondLst>
+                <p:cond evt="onNext" delay="0">
+                  <p:tgtEl>
+                    <p:sldTgt/>
+                  </p:tgtEl>
+                </p:cond>
+              </p:nextCondLst>
+            </p:seq>
+          </p:childTnLst>
+        </p:cTn>
+      </p:par>
+    </p:tnLst>
+  </p:timing>
 </p:sld>
 </file>
 
-<file path=ppt/slides/slide19.xml><?xml version="1.0" encoding="utf-8"?>
+<file path=ppt/slides/slide18.xml><?xml version="1.0" encoding="utf-8"?>
 <p:sld xmlns:a="http://schemas.openxmlformats.org/drawingml/2006/main" xmlns:r="http://schemas.openxmlformats.org/officeDocument/2006/relationships" xmlns:p="http://schemas.openxmlformats.org/presentationml/2006/main">
   <p:cSld>
     <p:spTree>
@@ -10084,6 +11030,89 @@
 </p:sld>
 </file>
 
+<file path=ppt/slides/slide19.xml><?xml version="1.0" encoding="utf-8"?>
+<p:sld xmlns:a="http://schemas.openxmlformats.org/drawingml/2006/main" xmlns:r="http://schemas.openxmlformats.org/officeDocument/2006/relationships" xmlns:p="http://schemas.openxmlformats.org/presentationml/2006/main">
+  <p:cSld>
+    <p:spTree>
+      <p:nvGrpSpPr>
+        <p:cNvPr id="1" name=""/>
+        <p:cNvGrpSpPr/>
+        <p:nvPr/>
+      </p:nvGrpSpPr>
+      <p:grpSpPr>
+        <a:xfrm>
+          <a:off x="0" y="0"/>
+          <a:ext cx="0" cy="0"/>
+          <a:chOff x="0" y="0"/>
+          <a:chExt cx="0" cy="0"/>
+        </a:xfrm>
+      </p:grpSpPr>
+      <p:sp>
+        <p:nvSpPr>
+          <p:cNvPr id="2" name="Title 1">
+            <a:extLst>
+              <a:ext uri="{FF2B5EF4-FFF2-40B4-BE49-F238E27FC236}">
+                <a16:creationId xmlns:a16="http://schemas.microsoft.com/office/drawing/2014/main" id="{0F913FB0-0AF5-666F-8C0B-A3E4643F6F25}"/>
+              </a:ext>
+            </a:extLst>
+          </p:cNvPr>
+          <p:cNvSpPr>
+            <a:spLocks noGrp="1"/>
+          </p:cNvSpPr>
+          <p:nvPr>
+            <p:ph type="title"/>
+          </p:nvPr>
+        </p:nvSpPr>
+        <p:spPr/>
+        <p:txBody>
+          <a:bodyPr/>
+          <a:lstStyle/>
+          <a:p>
+            <a:r>
+              <a:rPr lang="en-US" dirty="0"/>
+              <a:t>Additional Slides</a:t>
+            </a:r>
+          </a:p>
+        </p:txBody>
+      </p:sp>
+      <p:sp>
+        <p:nvSpPr>
+          <p:cNvPr id="3" name="Content Placeholder 2">
+            <a:extLst>
+              <a:ext uri="{FF2B5EF4-FFF2-40B4-BE49-F238E27FC236}">
+                <a16:creationId xmlns:a16="http://schemas.microsoft.com/office/drawing/2014/main" id="{1C515CA9-E8A9-1BDB-213A-D7825457F684}"/>
+              </a:ext>
+            </a:extLst>
+          </p:cNvPr>
+          <p:cNvSpPr>
+            <a:spLocks noGrp="1"/>
+          </p:cNvSpPr>
+          <p:nvPr>
+            <p:ph idx="1"/>
+          </p:nvPr>
+        </p:nvSpPr>
+        <p:spPr/>
+        <p:txBody>
+          <a:bodyPr/>
+          <a:lstStyle/>
+          <a:p>
+            <a:endParaRPr lang="en-US"/>
+          </a:p>
+        </p:txBody>
+      </p:sp>
+    </p:spTree>
+    <p:extLst>
+      <p:ext uri="{BB962C8B-B14F-4D97-AF65-F5344CB8AC3E}">
+        <p14:creationId xmlns:p14="http://schemas.microsoft.com/office/powerpoint/2010/main" val="2682849484"/>
+      </p:ext>
+    </p:extLst>
+  </p:cSld>
+  <p:clrMapOvr>
+    <a:masterClrMapping/>
+  </p:clrMapOvr>
+</p:sld>
+</file>
+
 <file path=ppt/slides/slide2.xml><?xml version="1.0" encoding="utf-8"?>
 <p:sld xmlns:a="http://schemas.openxmlformats.org/drawingml/2006/main" xmlns:r="http://schemas.openxmlformats.org/officeDocument/2006/relationships" xmlns:p="http://schemas.openxmlformats.org/presentationml/2006/main">
   <p:cSld>
@@ -10364,7 +11393,13 @@
   <p:cSld>
     <p:spTree>
       <p:nvGrpSpPr>
-        <p:cNvPr id="1" name=""/>
+        <p:cNvPr id="1" name="">
+          <a:extLst>
+            <a:ext uri="{FF2B5EF4-FFF2-40B4-BE49-F238E27FC236}">
+              <a16:creationId xmlns:a16="http://schemas.microsoft.com/office/drawing/2014/main" id="{F0F75750-7BC1-DC9E-0D1B-C64EFF11413F}"/>
+            </a:ext>
+          </a:extLst>
+        </p:cNvPr>
         <p:cNvGrpSpPr/>
         <p:nvPr/>
       </p:nvGrpSpPr>
@@ -10381,7 +11416,7 @@
           <p:cNvPr id="2" name="Title 1">
             <a:extLst>
               <a:ext uri="{FF2B5EF4-FFF2-40B4-BE49-F238E27FC236}">
-                <a16:creationId xmlns:a16="http://schemas.microsoft.com/office/drawing/2014/main" id="{0F913FB0-0AF5-666F-8C0B-A3E4643F6F25}"/>
+                <a16:creationId xmlns:a16="http://schemas.microsoft.com/office/drawing/2014/main" id="{E74B2CEB-DA02-82A0-0078-96AEC9AD6536}"/>
               </a:ext>
             </a:extLst>
           </p:cNvPr>
@@ -10392,53 +11427,189 @@
             <p:ph type="title"/>
           </p:nvPr>
         </p:nvSpPr>
-        <p:spPr/>
+        <p:spPr>
+          <a:xfrm>
+            <a:off x="838200" y="0"/>
+            <a:ext cx="10515600" cy="1325563"/>
+          </a:xfrm>
+        </p:spPr>
         <p:txBody>
           <a:bodyPr/>
           <a:lstStyle/>
           <a:p>
             <a:r>
               <a:rPr lang="en-US" dirty="0"/>
-              <a:t>Additional Slides</a:t>
-            </a:r>
-          </a:p>
-        </p:txBody>
-      </p:sp>
-      <p:sp>
-        <p:nvSpPr>
-          <p:cNvPr id="3" name="Content Placeholder 2">
-            <a:extLst>
-              <a:ext uri="{FF2B5EF4-FFF2-40B4-BE49-F238E27FC236}">
-                <a16:creationId xmlns:a16="http://schemas.microsoft.com/office/drawing/2014/main" id="{1C515CA9-E8A9-1BDB-213A-D7825457F684}"/>
-              </a:ext>
-            </a:extLst>
-          </p:cNvPr>
-          <p:cNvSpPr>
-            <a:spLocks noGrp="1"/>
-          </p:cNvSpPr>
-          <p:nvPr>
-            <p:ph idx="1"/>
-          </p:nvPr>
-        </p:nvSpPr>
-        <p:spPr/>
-        <p:txBody>
-          <a:bodyPr/>
-          <a:lstStyle/>
-          <a:p>
-            <a:endParaRPr lang="en-US"/>
+              <a:t>Native country residents are more likely to be married</a:t>
+            </a:r>
+          </a:p>
+        </p:txBody>
+      </p:sp>
+      <p:sp>
+        <p:nvSpPr>
+          <p:cNvPr id="6" name="TextBox 5">
+            <a:extLst>
+              <a:ext uri="{FF2B5EF4-FFF2-40B4-BE49-F238E27FC236}">
+                <a16:creationId xmlns:a16="http://schemas.microsoft.com/office/drawing/2014/main" id="{51E97FB0-B51A-ADFE-D70A-7DEEB40CB6CA}"/>
+              </a:ext>
+            </a:extLst>
+          </p:cNvPr>
+          <p:cNvSpPr txBox="1"/>
+          <p:nvPr/>
+        </p:nvSpPr>
+        <p:spPr>
+          <a:xfrm>
+            <a:off x="5004816" y="985666"/>
+            <a:ext cx="2182368" cy="369332"/>
+          </a:xfrm>
+          <a:prstGeom prst="rect">
+            <a:avLst/>
+          </a:prstGeom>
+          <a:noFill/>
+        </p:spPr>
+        <p:txBody>
+          <a:bodyPr wrap="square" rtlCol="0">
+            <a:spAutoFit/>
+          </a:bodyPr>
+          <a:lstStyle/>
+          <a:p>
+            <a:r>
+              <a:rPr lang="en-US" dirty="0"/>
+              <a:t>Proportion Married</a:t>
+            </a:r>
+          </a:p>
+        </p:txBody>
+      </p:sp>
+      <p:pic>
+        <p:nvPicPr>
+          <p:cNvPr id="3" name="Picture 2">
+            <a:extLst>
+              <a:ext uri="{FF2B5EF4-FFF2-40B4-BE49-F238E27FC236}">
+                <a16:creationId xmlns:a16="http://schemas.microsoft.com/office/drawing/2014/main" id="{89D0066F-205B-51FA-635E-4181FE10E8EC}"/>
+              </a:ext>
+            </a:extLst>
+          </p:cNvPr>
+          <p:cNvPicPr>
+            <a:picLocks noChangeAspect="1"/>
+          </p:cNvPicPr>
+          <p:nvPr/>
+        </p:nvPicPr>
+        <p:blipFill>
+          <a:blip r:embed="rId4"/>
+          <a:srcRect/>
+          <a:stretch/>
+        </p:blipFill>
+        <p:spPr>
+          <a:xfrm>
+            <a:off x="487680" y="1384432"/>
+            <a:ext cx="11216640" cy="5608320"/>
+          </a:xfrm>
+          <a:prstGeom prst="rect">
+            <a:avLst/>
+          </a:prstGeom>
+        </p:spPr>
+      </p:pic>
+      <p:pic>
+        <p:nvPicPr>
+          <p:cNvPr id="5" name="Picture 4" descr="American Community Survey (ACS) – Roadmap to the 2030 Census">
+            <a:extLst>
+              <a:ext uri="{FF2B5EF4-FFF2-40B4-BE49-F238E27FC236}">
+                <a16:creationId xmlns:a16="http://schemas.microsoft.com/office/drawing/2014/main" id="{0C5151A4-C2C1-0D33-928D-4509A0193BA9}"/>
+              </a:ext>
+            </a:extLst>
+          </p:cNvPr>
+          <p:cNvPicPr>
+            <a:picLocks noChangeAspect="1" noChangeArrowheads="1"/>
+          </p:cNvPicPr>
+          <p:nvPr/>
+        </p:nvPicPr>
+        <p:blipFill>
+          <a:blip r:embed="rId5">
+            <a:extLst>
+              <a:ext uri="{28A0092B-C50C-407E-A947-70E740481C1C}">
+                <a14:useLocalDpi xmlns:a14="http://schemas.microsoft.com/office/drawing/2010/main" val="0"/>
+              </a:ext>
+            </a:extLst>
+          </a:blip>
+          <a:srcRect/>
+          <a:stretch>
+            <a:fillRect/>
+          </a:stretch>
+        </p:blipFill>
+        <p:spPr bwMode="auto">
+          <a:xfrm>
+            <a:off x="11214652" y="132392"/>
+            <a:ext cx="750376" cy="750376"/>
+          </a:xfrm>
+          <a:prstGeom prst="rect">
+            <a:avLst/>
+          </a:prstGeom>
+          <a:noFill/>
+          <a:extLst>
+            <a:ext uri="{909E8E84-426E-40DD-AFC4-6F175D3DCCD1}">
+              <a14:hiddenFill xmlns:a14="http://schemas.microsoft.com/office/drawing/2010/main">
+                <a:solidFill>
+                  <a:srgbClr val="FFFFFF"/>
+                </a:solidFill>
+              </a14:hiddenFill>
+            </a:ext>
+          </a:extLst>
+        </p:spPr>
+      </p:pic>
+      <p:sp>
+        <p:nvSpPr>
+          <p:cNvPr id="7" name="TextBox 6">
+            <a:extLst>
+              <a:ext uri="{FF2B5EF4-FFF2-40B4-BE49-F238E27FC236}">
+                <a16:creationId xmlns:a16="http://schemas.microsoft.com/office/drawing/2014/main" id="{B974C7A4-D242-2E3C-C372-378718665824}"/>
+              </a:ext>
+            </a:extLst>
+          </p:cNvPr>
+          <p:cNvSpPr txBox="1"/>
+          <p:nvPr/>
+        </p:nvSpPr>
+        <p:spPr>
+          <a:xfrm>
+            <a:off x="11180362" y="914686"/>
+            <a:ext cx="904830" cy="338554"/>
+          </a:xfrm>
+          <a:prstGeom prst="rect">
+            <a:avLst/>
+          </a:prstGeom>
+          <a:noFill/>
+        </p:spPr>
+        <p:txBody>
+          <a:bodyPr wrap="square" rtlCol="0">
+            <a:spAutoFit/>
+          </a:bodyPr>
+          <a:lstStyle/>
+          <a:p>
+            <a:r>
+              <a:rPr lang="en-US" sz="1600" dirty="0">
+                <a:latin typeface="Abadi MT Condensed Light" panose="020B0306030101010103" pitchFamily="34" charset="77"/>
+              </a:rPr>
+              <a:t>2008-10</a:t>
+            </a:r>
+            <a:endParaRPr lang="en-US" dirty="0">
+              <a:latin typeface="Abadi MT Condensed Light" panose="020B0306030101010103" pitchFamily="34" charset="77"/>
+            </a:endParaRPr>
           </a:p>
         </p:txBody>
       </p:sp>
     </p:spTree>
     <p:extLst>
       <p:ext uri="{BB962C8B-B14F-4D97-AF65-F5344CB8AC3E}">
-        <p14:creationId xmlns:p14="http://schemas.microsoft.com/office/powerpoint/2010/main" val="2682849484"/>
+        <p14:creationId xmlns:p14="http://schemas.microsoft.com/office/powerpoint/2010/main" val="3894427938"/>
       </p:ext>
     </p:extLst>
   </p:cSld>
   <p:clrMapOvr>
     <a:masterClrMapping/>
   </p:clrMapOvr>
+  <p:extLst>
+    <p:ext uri="{6950BFC3-D8DA-4A85-94F7-54DA5524770B}">
+      <p188:commentRel xmlns:p188="http://schemas.microsoft.com/office/powerpoint/2018/8/main" r:id="rId3"/>
+    </p:ext>
+  </p:extLst>
 </p:sld>
 </file>
 
@@ -13525,104 +14696,6 @@
           </a:p>
         </p:txBody>
       </p:sp>
-      <p:sp>
-        <p:nvSpPr>
-          <p:cNvPr id="13" name="Right Arrow 12">
-            <a:extLst>
-              <a:ext uri="{FF2B5EF4-FFF2-40B4-BE49-F238E27FC236}">
-                <a16:creationId xmlns:a16="http://schemas.microsoft.com/office/drawing/2014/main" id="{C801E665-430A-894F-51D5-A1C40061CA25}"/>
-              </a:ext>
-            </a:extLst>
-          </p:cNvPr>
-          <p:cNvSpPr/>
-          <p:nvPr/>
-        </p:nvSpPr>
-        <p:spPr>
-          <a:xfrm rot="5400000">
-            <a:off x="10974379" y="3722923"/>
-            <a:ext cx="544755" cy="634999"/>
-          </a:xfrm>
-          <a:prstGeom prst="rightArrow">
-            <a:avLst/>
-          </a:prstGeom>
-          <a:solidFill>
-            <a:srgbClr val="C00000"/>
-          </a:solidFill>
-        </p:spPr>
-        <p:style>
-          <a:lnRef idx="2">
-            <a:schemeClr val="accent1">
-              <a:shade val="15000"/>
-            </a:schemeClr>
-          </a:lnRef>
-          <a:fillRef idx="1">
-            <a:schemeClr val="accent1"/>
-          </a:fillRef>
-          <a:effectRef idx="0">
-            <a:schemeClr val="accent1"/>
-          </a:effectRef>
-          <a:fontRef idx="minor">
-            <a:schemeClr val="lt1"/>
-          </a:fontRef>
-        </p:style>
-        <p:txBody>
-          <a:bodyPr rtlCol="0" anchor="ctr"/>
-          <a:lstStyle/>
-          <a:p>
-            <a:pPr algn="ctr"/>
-            <a:endParaRPr lang="en-US"/>
-          </a:p>
-        </p:txBody>
-      </p:sp>
-      <p:sp>
-        <p:nvSpPr>
-          <p:cNvPr id="14" name="Right Arrow 13">
-            <a:extLst>
-              <a:ext uri="{FF2B5EF4-FFF2-40B4-BE49-F238E27FC236}">
-                <a16:creationId xmlns:a16="http://schemas.microsoft.com/office/drawing/2014/main" id="{D1487969-1936-D1F5-61B1-14C798CF6C25}"/>
-              </a:ext>
-            </a:extLst>
-          </p:cNvPr>
-          <p:cNvSpPr/>
-          <p:nvPr/>
-        </p:nvSpPr>
-        <p:spPr>
-          <a:xfrm rot="5400000">
-            <a:off x="8129579" y="3722922"/>
-            <a:ext cx="544755" cy="634999"/>
-          </a:xfrm>
-          <a:prstGeom prst="rightArrow">
-            <a:avLst/>
-          </a:prstGeom>
-          <a:solidFill>
-            <a:srgbClr val="C00000"/>
-          </a:solidFill>
-        </p:spPr>
-        <p:style>
-          <a:lnRef idx="2">
-            <a:schemeClr val="accent1">
-              <a:shade val="15000"/>
-            </a:schemeClr>
-          </a:lnRef>
-          <a:fillRef idx="1">
-            <a:schemeClr val="accent1"/>
-          </a:fillRef>
-          <a:effectRef idx="0">
-            <a:schemeClr val="accent1"/>
-          </a:effectRef>
-          <a:fontRef idx="minor">
-            <a:schemeClr val="lt1"/>
-          </a:fontRef>
-        </p:style>
-        <p:txBody>
-          <a:bodyPr rtlCol="0" anchor="ctr"/>
-          <a:lstStyle/>
-          <a:p>
-            <a:pPr algn="ctr"/>
-            <a:endParaRPr lang="en-US"/>
-          </a:p>
-        </p:txBody>
-      </p:sp>
     </p:spTree>
     <p:extLst>
       <p:ext uri="{BB962C8B-B14F-4D97-AF65-F5344CB8AC3E}">
@@ -13947,159 +15020,6 @@
                       </p:childTnLst>
                     </p:cTn>
                   </p:par>
-                  <p:par>
-                    <p:cTn id="27" fill="hold">
-                      <p:stCondLst>
-                        <p:cond delay="indefinite"/>
-                      </p:stCondLst>
-                      <p:childTnLst>
-                        <p:par>
-                          <p:cTn id="28" fill="hold">
-                            <p:stCondLst>
-                              <p:cond delay="0"/>
-                            </p:stCondLst>
-                            <p:childTnLst>
-                              <p:par>
-                                <p:cTn id="29" presetID="1" presetClass="entr" presetSubtype="0" fill="hold" grpId="1" nodeType="clickEffect">
-                                  <p:stCondLst>
-                                    <p:cond delay="0"/>
-                                  </p:stCondLst>
-                                  <p:childTnLst>
-                                    <p:set>
-                                      <p:cBhvr>
-                                        <p:cTn id="30" dur="1" fill="hold">
-                                          <p:stCondLst>
-                                            <p:cond delay="0"/>
-                                          </p:stCondLst>
-                                        </p:cTn>
-                                        <p:tgtEl>
-                                          <p:spTgt spid="13"/>
-                                        </p:tgtEl>
-                                        <p:attrNameLst>
-                                          <p:attrName>style.visibility</p:attrName>
-                                        </p:attrNameLst>
-                                      </p:cBhvr>
-                                      <p:to>
-                                        <p:strVal val="visible"/>
-                                      </p:to>
-                                    </p:set>
-                                  </p:childTnLst>
-                                </p:cTn>
-                              </p:par>
-                              <p:par>
-                                <p:cTn id="31" presetID="1" presetClass="entr" presetSubtype="0" fill="hold" grpId="0" nodeType="withEffect">
-                                  <p:stCondLst>
-                                    <p:cond delay="0"/>
-                                  </p:stCondLst>
-                                  <p:childTnLst>
-                                    <p:set>
-                                      <p:cBhvr>
-                                        <p:cTn id="32" dur="1" fill="hold">
-                                          <p:stCondLst>
-                                            <p:cond delay="0"/>
-                                          </p:stCondLst>
-                                        </p:cTn>
-                                        <p:tgtEl>
-                                          <p:spTgt spid="13"/>
-                                        </p:tgtEl>
-                                        <p:attrNameLst>
-                                          <p:attrName>style.visibility</p:attrName>
-                                        </p:attrNameLst>
-                                      </p:cBhvr>
-                                      <p:to>
-                                        <p:strVal val="visible"/>
-                                      </p:to>
-                                    </p:set>
-                                  </p:childTnLst>
-                                </p:cTn>
-                              </p:par>
-                              <p:par>
-                                <p:cTn id="33" presetID="1" presetClass="exit" presetSubtype="0" fill="hold" grpId="2" nodeType="withEffect">
-                                  <p:stCondLst>
-                                    <p:cond delay="0"/>
-                                  </p:stCondLst>
-                                  <p:childTnLst>
-                                    <p:set>
-                                      <p:cBhvr>
-                                        <p:cTn id="34" dur="1" fill="hold">
-                                          <p:stCondLst>
-                                            <p:cond delay="0"/>
-                                          </p:stCondLst>
-                                        </p:cTn>
-                                        <p:tgtEl>
-                                          <p:spTgt spid="11"/>
-                                        </p:tgtEl>
-                                        <p:attrNameLst>
-                                          <p:attrName>style.visibility</p:attrName>
-                                        </p:attrNameLst>
-                                      </p:cBhvr>
-                                      <p:to>
-                                        <p:strVal val="hidden"/>
-                                      </p:to>
-                                    </p:set>
-                                  </p:childTnLst>
-                                </p:cTn>
-                              </p:par>
-                              <p:par>
-                                <p:cTn id="35" presetID="1" presetClass="entr" presetSubtype="0" fill="hold" grpId="1" nodeType="withEffect">
-                                  <p:stCondLst>
-                                    <p:cond delay="0"/>
-                                  </p:stCondLst>
-                                  <p:childTnLst>
-                                    <p:set>
-                                      <p:cBhvr>
-                                        <p:cTn id="36" dur="1" fill="hold">
-                                          <p:stCondLst>
-                                            <p:cond delay="0"/>
-                                          </p:stCondLst>
-                                        </p:cTn>
-                                        <p:tgtEl>
-                                          <p:spTgt spid="14"/>
-                                        </p:tgtEl>
-                                        <p:attrNameLst>
-                                          <p:attrName>style.visibility</p:attrName>
-                                        </p:attrNameLst>
-                                      </p:cBhvr>
-                                      <p:to>
-                                        <p:strVal val="visible"/>
-                                      </p:to>
-                                    </p:set>
-                                  </p:childTnLst>
-                                </p:cTn>
-                              </p:par>
-                              <p:par>
-                                <p:cTn id="37" presetID="1" presetClass="entr" presetSubtype="0" fill="hold" grpId="0" nodeType="withEffect">
-                                  <p:stCondLst>
-                                    <p:cond delay="0"/>
-                                  </p:stCondLst>
-                                  <p:childTnLst>
-                                    <p:set>
-                                      <p:cBhvr>
-                                        <p:cTn id="38" dur="1" fill="hold">
-                                          <p:stCondLst>
-                                            <p:cond delay="0"/>
-                                          </p:stCondLst>
-                                        </p:cTn>
-                                        <p:tgtEl>
-                                          <p:spTgt spid="14"/>
-                                        </p:tgtEl>
-                                        <p:attrNameLst>
-                                          <p:attrName>style.visibility</p:attrName>
-                                        </p:attrNameLst>
-                                      </p:cBhvr>
-                                      <p:to>
-                                        <p:strVal val="visible"/>
-                                      </p:to>
-                                    </p:set>
-                                  </p:childTnLst>
-                                </p:cTn>
-                              </p:par>
-                            </p:childTnLst>
-                          </p:cTn>
-                        </p:par>
-                      </p:childTnLst>
-                    </p:cTn>
-                  </p:par>
                 </p:childTnLst>
               </p:cTn>
               <p:prevCondLst>
@@ -14132,11 +15052,6 @@
       <p:bldP spid="10" grpId="1" animBg="1"/>
       <p:bldP spid="11" grpId="0" animBg="1"/>
       <p:bldP spid="11" grpId="1" animBg="1"/>
-      <p:bldP spid="11" grpId="2" animBg="1"/>
-      <p:bldP spid="13" grpId="0" animBg="1"/>
-      <p:bldP spid="13" grpId="1" animBg="1"/>
-      <p:bldP spid="14" grpId="0" animBg="1"/>
-      <p:bldP spid="14" grpId="1" animBg="1"/>
     </p:bldLst>
   </p:timing>
   <p:extLst>
@@ -14441,58 +15356,6 @@
       </p:grpSp>
       <p:sp>
         <p:nvSpPr>
-          <p:cNvPr id="6" name="Rectangle 5">
-            <a:extLst>
-              <a:ext uri="{FF2B5EF4-FFF2-40B4-BE49-F238E27FC236}">
-                <a16:creationId xmlns:a16="http://schemas.microsoft.com/office/drawing/2014/main" id="{2D6DD104-644F-D6AA-5493-C91E7FAD48DC}"/>
-              </a:ext>
-            </a:extLst>
-          </p:cNvPr>
-          <p:cNvSpPr/>
-          <p:nvPr/>
-        </p:nvSpPr>
-        <p:spPr>
-          <a:xfrm>
-            <a:off x="86728" y="2000703"/>
-            <a:ext cx="6087950" cy="4827052"/>
-          </a:xfrm>
-          <a:prstGeom prst="rect">
-            <a:avLst/>
-          </a:prstGeom>
-          <a:noFill/>
-          <a:ln>
-            <a:solidFill>
-              <a:srgbClr val="FF0000"/>
-            </a:solidFill>
-          </a:ln>
-        </p:spPr>
-        <p:style>
-          <a:lnRef idx="2">
-            <a:schemeClr val="accent1">
-              <a:shade val="15000"/>
-            </a:schemeClr>
-          </a:lnRef>
-          <a:fillRef idx="1">
-            <a:schemeClr val="accent1"/>
-          </a:fillRef>
-          <a:effectRef idx="0">
-            <a:schemeClr val="accent1"/>
-          </a:effectRef>
-          <a:fontRef idx="minor">
-            <a:schemeClr val="lt1"/>
-          </a:fontRef>
-        </p:style>
-        <p:txBody>
-          <a:bodyPr rtlCol="0" anchor="ctr"/>
-          <a:lstStyle/>
-          <a:p>
-            <a:pPr algn="ctr"/>
-            <a:endParaRPr lang="en-US"/>
-          </a:p>
-        </p:txBody>
-      </p:sp>
-      <p:sp>
-        <p:nvSpPr>
           <p:cNvPr id="7" name="Rectangle 6">
             <a:extLst>
               <a:ext uri="{FF2B5EF4-FFF2-40B4-BE49-F238E27FC236}">
@@ -14545,10 +15408,10 @@
       </p:sp>
       <p:sp>
         <p:nvSpPr>
-          <p:cNvPr id="8" name="Rectangle 7">
-            <a:extLst>
-              <a:ext uri="{FF2B5EF4-FFF2-40B4-BE49-F238E27FC236}">
-                <a16:creationId xmlns:a16="http://schemas.microsoft.com/office/drawing/2014/main" id="{0E3AF6E4-B46C-B612-A458-7AA0EA074C9E}"/>
+          <p:cNvPr id="14" name="Right Arrow 13">
+            <a:extLst>
+              <a:ext uri="{FF2B5EF4-FFF2-40B4-BE49-F238E27FC236}">
+                <a16:creationId xmlns:a16="http://schemas.microsoft.com/office/drawing/2014/main" id="{3939FF9C-F8BB-B987-5B67-D423342CD1A6}"/>
               </a:ext>
             </a:extLst>
           </p:cNvPr>
@@ -14556,21 +15419,16 @@
           <p:nvPr/>
         </p:nvSpPr>
         <p:spPr>
-          <a:xfrm>
-            <a:off x="1876494" y="2273427"/>
-            <a:ext cx="1290039" cy="3974973"/>
+          <a:xfrm rot="5400000">
+            <a:off x="1010323" y="2223946"/>
+            <a:ext cx="544755" cy="634999"/>
           </a:xfrm>
-          <a:prstGeom prst="rect">
+          <a:prstGeom prst="rightArrow">
             <a:avLst/>
           </a:prstGeom>
           <a:solidFill>
-            <a:schemeClr val="bg1"/>
+            <a:srgbClr val="C00000"/>
           </a:solidFill>
-          <a:ln>
-            <a:solidFill>
-              <a:schemeClr val="bg1"/>
-            </a:solidFill>
-          </a:ln>
         </p:spPr>
         <p:style>
           <a:lnRef idx="2">
@@ -14599,10 +15457,10 @@
       </p:sp>
       <p:sp>
         <p:nvSpPr>
-          <p:cNvPr id="9" name="Rectangle 8">
-            <a:extLst>
-              <a:ext uri="{FF2B5EF4-FFF2-40B4-BE49-F238E27FC236}">
-                <a16:creationId xmlns:a16="http://schemas.microsoft.com/office/drawing/2014/main" id="{E420F16E-31FC-0E84-F26A-F3ED40C6B739}"/>
+          <p:cNvPr id="15" name="Right Arrow 14">
+            <a:extLst>
+              <a:ext uri="{FF2B5EF4-FFF2-40B4-BE49-F238E27FC236}">
+                <a16:creationId xmlns:a16="http://schemas.microsoft.com/office/drawing/2014/main" id="{AA83A53B-A727-1750-D6A0-7663A7EB3FEB}"/>
               </a:ext>
             </a:extLst>
           </p:cNvPr>
@@ -14610,21 +15468,65 @@
           <p:nvPr/>
         </p:nvSpPr>
         <p:spPr>
-          <a:xfrm>
-            <a:off x="7964444" y="2236136"/>
-            <a:ext cx="1290039" cy="3974973"/>
+          <a:xfrm rot="5400000">
+            <a:off x="3693347" y="2318827"/>
+            <a:ext cx="544755" cy="634999"/>
           </a:xfrm>
-          <a:prstGeom prst="rect">
+          <a:prstGeom prst="rightArrow">
             <a:avLst/>
           </a:prstGeom>
           <a:solidFill>
-            <a:schemeClr val="bg1"/>
+            <a:srgbClr val="C00000"/>
           </a:solidFill>
-          <a:ln>
-            <a:solidFill>
-              <a:schemeClr val="bg1"/>
-            </a:solidFill>
-          </a:ln>
+        </p:spPr>
+        <p:style>
+          <a:lnRef idx="2">
+            <a:schemeClr val="accent1">
+              <a:shade val="15000"/>
+            </a:schemeClr>
+          </a:lnRef>
+          <a:fillRef idx="1">
+            <a:schemeClr val="accent1"/>
+          </a:fillRef>
+          <a:effectRef idx="0">
+            <a:schemeClr val="accent1"/>
+          </a:effectRef>
+          <a:fontRef idx="minor">
+            <a:schemeClr val="lt1"/>
+          </a:fontRef>
+        </p:style>
+        <p:txBody>
+          <a:bodyPr rtlCol="0" anchor="ctr"/>
+          <a:lstStyle/>
+          <a:p>
+            <a:pPr algn="ctr"/>
+            <a:endParaRPr lang="en-US"/>
+          </a:p>
+        </p:txBody>
+      </p:sp>
+      <p:sp>
+        <p:nvSpPr>
+          <p:cNvPr id="16" name="Right Arrow 15">
+            <a:extLst>
+              <a:ext uri="{FF2B5EF4-FFF2-40B4-BE49-F238E27FC236}">
+                <a16:creationId xmlns:a16="http://schemas.microsoft.com/office/drawing/2014/main" id="{E47FB030-605A-F3ED-3227-0BD1B77A38C7}"/>
+              </a:ext>
+            </a:extLst>
+          </p:cNvPr>
+          <p:cNvSpPr/>
+          <p:nvPr/>
+        </p:nvSpPr>
+        <p:spPr>
+          <a:xfrm rot="5400000">
+            <a:off x="4917234" y="2223946"/>
+            <a:ext cx="544755" cy="634999"/>
+          </a:xfrm>
+          <a:prstGeom prst="rightArrow">
+            <a:avLst/>
+          </a:prstGeom>
+          <a:solidFill>
+            <a:srgbClr val="C00000"/>
+          </a:solidFill>
         </p:spPr>
         <p:style>
           <a:lnRef idx="2">
@@ -14695,7 +15597,7 @@
                                           </p:stCondLst>
                                         </p:cTn>
                                         <p:tgtEl>
-                                          <p:spTgt spid="6"/>
+                                          <p:spTgt spid="14"/>
                                         </p:tgtEl>
                                         <p:attrNameLst>
                                           <p:attrName>style.visibility</p:attrName>
@@ -14722,7 +15624,7 @@
                                           </p:stCondLst>
                                         </p:cTn>
                                         <p:tgtEl>
-                                          <p:spTgt spid="8"/>
+                                          <p:spTgt spid="15"/>
                                         </p:tgtEl>
                                         <p:attrNameLst>
                                           <p:attrName>style.visibility</p:attrName>
@@ -14749,7 +15651,7 @@
                                           </p:stCondLst>
                                         </p:cTn>
                                         <p:tgtEl>
-                                          <p:spTgt spid="9"/>
+                                          <p:spTgt spid="16"/>
                                         </p:tgtEl>
                                         <p:attrNameLst>
                                           <p:attrName>style.visibility</p:attrName>
@@ -14781,7 +15683,7 @@
                             </p:stCondLst>
                             <p:childTnLst>
                               <p:par>
-                                <p:cTn id="13" presetID="1" presetClass="exit" presetSubtype="0" fill="hold" grpId="1" nodeType="clickEffect">
+                                <p:cTn id="13" presetID="1" presetClass="entr" presetSubtype="0" fill="hold" grpId="0" nodeType="clickEffect">
                                   <p:stCondLst>
                                     <p:cond delay="0"/>
                                   </p:stCondLst>
@@ -14789,33 +15691,6 @@
                                     <p:set>
                                       <p:cBhvr>
                                         <p:cTn id="14" dur="1" fill="hold">
-                                          <p:stCondLst>
-                                            <p:cond delay="0"/>
-                                          </p:stCondLst>
-                                        </p:cTn>
-                                        <p:tgtEl>
-                                          <p:spTgt spid="6"/>
-                                        </p:tgtEl>
-                                        <p:attrNameLst>
-                                          <p:attrName>style.visibility</p:attrName>
-                                        </p:attrNameLst>
-                                      </p:cBhvr>
-                                      <p:to>
-                                        <p:strVal val="hidden"/>
-                                      </p:to>
-                                    </p:set>
-                                  </p:childTnLst>
-                                </p:cTn>
-                              </p:par>
-                              <p:par>
-                                <p:cTn id="15" presetID="1" presetClass="entr" presetSubtype="0" fill="hold" grpId="0" nodeType="withEffect">
-                                  <p:stCondLst>
-                                    <p:cond delay="0"/>
-                                  </p:stCondLst>
-                                  <p:childTnLst>
-                                    <p:set>
-                                      <p:cBhvr>
-                                        <p:cTn id="16" dur="1" fill="hold">
                                           <p:stCondLst>
                                             <p:cond delay="0"/>
                                           </p:stCondLst>
@@ -14834,26 +15709,62 @@
                                   </p:childTnLst>
                                 </p:cTn>
                               </p:par>
-                            </p:childTnLst>
-                          </p:cTn>
-                        </p:par>
-                      </p:childTnLst>
-                    </p:cTn>
-                  </p:par>
-                  <p:par>
-                    <p:cTn id="17" fill="hold">
-                      <p:stCondLst>
-                        <p:cond delay="indefinite"/>
-                      </p:stCondLst>
-                      <p:childTnLst>
-                        <p:par>
-                          <p:cTn id="18" fill="hold">
-                            <p:stCondLst>
-                              <p:cond delay="0"/>
-                            </p:stCondLst>
-                            <p:childTnLst>
                               <p:par>
-                                <p:cTn id="19" presetID="9" presetClass="entr" presetSubtype="0" fill="hold" grpId="1" nodeType="clickEffect">
+                                <p:cTn id="15" presetID="1" presetClass="exit" presetSubtype="0" fill="hold" grpId="1" nodeType="withEffect">
+                                  <p:stCondLst>
+                                    <p:cond delay="0"/>
+                                  </p:stCondLst>
+                                  <p:childTnLst>
+                                    <p:set>
+                                      <p:cBhvr>
+                                        <p:cTn id="16" dur="1" fill="hold">
+                                          <p:stCondLst>
+                                            <p:cond delay="0"/>
+                                          </p:stCondLst>
+                                        </p:cTn>
+                                        <p:tgtEl>
+                                          <p:spTgt spid="14"/>
+                                        </p:tgtEl>
+                                        <p:attrNameLst>
+                                          <p:attrName>style.visibility</p:attrName>
+                                        </p:attrNameLst>
+                                      </p:cBhvr>
+                                      <p:to>
+                                        <p:strVal val="hidden"/>
+                                      </p:to>
+                                    </p:set>
+                                  </p:childTnLst>
+                                </p:cTn>
+                              </p:par>
+                              <p:par>
+                                <p:cTn id="17" presetID="1" presetClass="exit" presetSubtype="0" fill="hold" grpId="1" nodeType="withEffect">
+                                  <p:stCondLst>
+                                    <p:cond delay="0"/>
+                                  </p:stCondLst>
+                                  <p:childTnLst>
+                                    <p:set>
+                                      <p:cBhvr>
+                                        <p:cTn id="18" dur="1" fill="hold">
+                                          <p:stCondLst>
+                                            <p:cond delay="0"/>
+                                          </p:stCondLst>
+                                        </p:cTn>
+                                        <p:tgtEl>
+                                          <p:spTgt spid="16"/>
+                                        </p:tgtEl>
+                                        <p:attrNameLst>
+                                          <p:attrName>style.visibility</p:attrName>
+                                        </p:attrNameLst>
+                                      </p:cBhvr>
+                                      <p:to>
+                                        <p:strVal val="hidden"/>
+                                      </p:to>
+                                    </p:set>
+                                  </p:childTnLst>
+                                </p:cTn>
+                              </p:par>
+                              <p:par>
+                                <p:cTn id="19" presetID="1" presetClass="exit" presetSubtype="0" fill="hold" grpId="1" nodeType="withEffect">
                                   <p:stCondLst>
                                     <p:cond delay="0"/>
                                   </p:stCondLst>
@@ -14866,59 +15777,16 @@
                                           </p:stCondLst>
                                         </p:cTn>
                                         <p:tgtEl>
-                                          <p:spTgt spid="8"/>
+                                          <p:spTgt spid="15"/>
                                         </p:tgtEl>
                                         <p:attrNameLst>
                                           <p:attrName>style.visibility</p:attrName>
                                         </p:attrNameLst>
                                       </p:cBhvr>
                                       <p:to>
-                                        <p:strVal val="visible"/>
+                                        <p:strVal val="hidden"/>
                                       </p:to>
                                     </p:set>
-                                    <p:animEffect transition="in" filter="dissolve">
-                                      <p:cBhvr>
-                                        <p:cTn id="21" dur="500"/>
-                                        <p:tgtEl>
-                                          <p:spTgt spid="8"/>
-                                        </p:tgtEl>
-                                      </p:cBhvr>
-                                    </p:animEffect>
-                                  </p:childTnLst>
-                                </p:cTn>
-                              </p:par>
-                              <p:par>
-                                <p:cTn id="22" presetID="9" presetClass="entr" presetSubtype="0" fill="hold" grpId="1" nodeType="withEffect">
-                                  <p:stCondLst>
-                                    <p:cond delay="0"/>
-                                  </p:stCondLst>
-                                  <p:childTnLst>
-                                    <p:set>
-                                      <p:cBhvr>
-                                        <p:cTn id="23" dur="1" fill="hold">
-                                          <p:stCondLst>
-                                            <p:cond delay="0"/>
-                                          </p:stCondLst>
-                                        </p:cTn>
-                                        <p:tgtEl>
-                                          <p:spTgt spid="9"/>
-                                        </p:tgtEl>
-                                        <p:attrNameLst>
-                                          <p:attrName>style.visibility</p:attrName>
-                                        </p:attrNameLst>
-                                      </p:cBhvr>
-                                      <p:to>
-                                        <p:strVal val="visible"/>
-                                      </p:to>
-                                    </p:set>
-                                    <p:animEffect transition="in" filter="dissolve">
-                                      <p:cBhvr>
-                                        <p:cTn id="24" dur="500"/>
-                                        <p:tgtEl>
-                                          <p:spTgt spid="9"/>
-                                        </p:tgtEl>
-                                      </p:cBhvr>
-                                    </p:animEffect>
                                   </p:childTnLst>
                                 </p:cTn>
                               </p:par>
@@ -14950,13 +15818,13 @@
       </p:par>
     </p:tnLst>
     <p:bldLst>
-      <p:bldP spid="6" grpId="0" animBg="1"/>
-      <p:bldP spid="6" grpId="1" animBg="1"/>
       <p:bldP spid="7" grpId="0" animBg="1"/>
-      <p:bldP spid="8" grpId="0" animBg="1"/>
-      <p:bldP spid="8" grpId="1" animBg="1"/>
-      <p:bldP spid="9" grpId="0" animBg="1"/>
-      <p:bldP spid="9" grpId="1" animBg="1"/>
+      <p:bldP spid="14" grpId="0" animBg="1"/>
+      <p:bldP spid="14" grpId="1" animBg="1"/>
+      <p:bldP spid="15" grpId="0" animBg="1"/>
+      <p:bldP spid="15" grpId="1" animBg="1"/>
+      <p:bldP spid="16" grpId="0" animBg="1"/>
+      <p:bldP spid="16" grpId="1" animBg="1"/>
     </p:bldLst>
   </p:timing>
   <p:extLst>
@@ -15192,6 +16060,104 @@
           </p:txBody>
         </p:sp>
       </p:grpSp>
+      <p:sp>
+        <p:nvSpPr>
+          <p:cNvPr id="4" name="Right Arrow 3">
+            <a:extLst>
+              <a:ext uri="{FF2B5EF4-FFF2-40B4-BE49-F238E27FC236}">
+                <a16:creationId xmlns:a16="http://schemas.microsoft.com/office/drawing/2014/main" id="{028E1BB0-9310-6723-310A-38FC1C5A623C}"/>
+              </a:ext>
+            </a:extLst>
+          </p:cNvPr>
+          <p:cNvSpPr/>
+          <p:nvPr/>
+        </p:nvSpPr>
+        <p:spPr>
+          <a:xfrm rot="5400000">
+            <a:off x="2534323" y="2735383"/>
+            <a:ext cx="544755" cy="634999"/>
+          </a:xfrm>
+          <a:prstGeom prst="rightArrow">
+            <a:avLst/>
+          </a:prstGeom>
+          <a:solidFill>
+            <a:srgbClr val="C00000"/>
+          </a:solidFill>
+        </p:spPr>
+        <p:style>
+          <a:lnRef idx="2">
+            <a:schemeClr val="accent1">
+              <a:shade val="15000"/>
+            </a:schemeClr>
+          </a:lnRef>
+          <a:fillRef idx="1">
+            <a:schemeClr val="accent1"/>
+          </a:fillRef>
+          <a:effectRef idx="0">
+            <a:schemeClr val="accent1"/>
+          </a:effectRef>
+          <a:fontRef idx="minor">
+            <a:schemeClr val="lt1"/>
+          </a:fontRef>
+        </p:style>
+        <p:txBody>
+          <a:bodyPr rtlCol="0" anchor="ctr"/>
+          <a:lstStyle/>
+          <a:p>
+            <a:pPr algn="ctr"/>
+            <a:endParaRPr lang="en-US"/>
+          </a:p>
+        </p:txBody>
+      </p:sp>
+      <p:sp>
+        <p:nvSpPr>
+          <p:cNvPr id="5" name="Right Arrow 4">
+            <a:extLst>
+              <a:ext uri="{FF2B5EF4-FFF2-40B4-BE49-F238E27FC236}">
+                <a16:creationId xmlns:a16="http://schemas.microsoft.com/office/drawing/2014/main" id="{1F58DED6-FA87-AEED-A228-308F61173CBA}"/>
+              </a:ext>
+            </a:extLst>
+          </p:cNvPr>
+          <p:cNvSpPr/>
+          <p:nvPr/>
+        </p:nvSpPr>
+        <p:spPr>
+          <a:xfrm rot="5400000">
+            <a:off x="9285642" y="1373189"/>
+            <a:ext cx="544755" cy="634999"/>
+          </a:xfrm>
+          <a:prstGeom prst="rightArrow">
+            <a:avLst/>
+          </a:prstGeom>
+          <a:solidFill>
+            <a:srgbClr val="C00000"/>
+          </a:solidFill>
+        </p:spPr>
+        <p:style>
+          <a:lnRef idx="2">
+            <a:schemeClr val="accent1">
+              <a:shade val="15000"/>
+            </a:schemeClr>
+          </a:lnRef>
+          <a:fillRef idx="1">
+            <a:schemeClr val="accent1"/>
+          </a:fillRef>
+          <a:effectRef idx="0">
+            <a:schemeClr val="accent1"/>
+          </a:effectRef>
+          <a:fontRef idx="minor">
+            <a:schemeClr val="lt1"/>
+          </a:fontRef>
+        </p:style>
+        <p:txBody>
+          <a:bodyPr rtlCol="0" anchor="ctr"/>
+          <a:lstStyle/>
+          <a:p>
+            <a:pPr algn="ctr"/>
+            <a:endParaRPr lang="en-US"/>
+          </a:p>
+        </p:txBody>
+      </p:sp>
     </p:spTree>
     <p:extLst>
       <p:ext uri="{BB962C8B-B14F-4D97-AF65-F5344CB8AC3E}">
@@ -15202,6 +16168,130 @@
   <p:clrMapOvr>
     <a:masterClrMapping/>
   </p:clrMapOvr>
+  <p:timing>
+    <p:tnLst>
+      <p:par>
+        <p:cTn id="1" dur="indefinite" restart="never" nodeType="tmRoot">
+          <p:childTnLst>
+            <p:seq concurrent="1" nextAc="seek">
+              <p:cTn id="2" dur="indefinite" nodeType="mainSeq">
+                <p:childTnLst>
+                  <p:par>
+                    <p:cTn id="3" fill="hold">
+                      <p:stCondLst>
+                        <p:cond delay="indefinite"/>
+                      </p:stCondLst>
+                      <p:childTnLst>
+                        <p:par>
+                          <p:cTn id="4" fill="hold">
+                            <p:stCondLst>
+                              <p:cond delay="0"/>
+                            </p:stCondLst>
+                            <p:childTnLst>
+                              <p:par>
+                                <p:cTn id="5" presetID="1" presetClass="entr" presetSubtype="0" fill="hold" grpId="0" nodeType="clickEffect">
+                                  <p:stCondLst>
+                                    <p:cond delay="0"/>
+                                  </p:stCondLst>
+                                  <p:childTnLst>
+                                    <p:set>
+                                      <p:cBhvr>
+                                        <p:cTn id="6" dur="1" fill="hold">
+                                          <p:stCondLst>
+                                            <p:cond delay="0"/>
+                                          </p:stCondLst>
+                                        </p:cTn>
+                                        <p:tgtEl>
+                                          <p:spTgt spid="4"/>
+                                        </p:tgtEl>
+                                        <p:attrNameLst>
+                                          <p:attrName>style.visibility</p:attrName>
+                                        </p:attrNameLst>
+                                      </p:cBhvr>
+                                      <p:to>
+                                        <p:strVal val="visible"/>
+                                      </p:to>
+                                    </p:set>
+                                  </p:childTnLst>
+                                </p:cTn>
+                              </p:par>
+                            </p:childTnLst>
+                          </p:cTn>
+                        </p:par>
+                      </p:childTnLst>
+                    </p:cTn>
+                  </p:par>
+                  <p:par>
+                    <p:cTn id="7" fill="hold">
+                      <p:stCondLst>
+                        <p:cond delay="indefinite"/>
+                      </p:stCondLst>
+                      <p:childTnLst>
+                        <p:par>
+                          <p:cTn id="8" fill="hold">
+                            <p:stCondLst>
+                              <p:cond delay="0"/>
+                            </p:stCondLst>
+                            <p:childTnLst>
+                              <p:par>
+                                <p:cTn id="9" presetID="1" presetClass="entr" presetSubtype="0" fill="hold" grpId="0" nodeType="clickEffect">
+                                  <p:stCondLst>
+                                    <p:cond delay="0"/>
+                                  </p:stCondLst>
+                                  <p:childTnLst>
+                                    <p:set>
+                                      <p:cBhvr>
+                                        <p:cTn id="10" dur="1" fill="hold">
+                                          <p:stCondLst>
+                                            <p:cond delay="0"/>
+                                          </p:stCondLst>
+                                        </p:cTn>
+                                        <p:tgtEl>
+                                          <p:spTgt spid="5"/>
+                                        </p:tgtEl>
+                                        <p:attrNameLst>
+                                          <p:attrName>style.visibility</p:attrName>
+                                        </p:attrNameLst>
+                                      </p:cBhvr>
+                                      <p:to>
+                                        <p:strVal val="visible"/>
+                                      </p:to>
+                                    </p:set>
+                                  </p:childTnLst>
+                                </p:cTn>
+                              </p:par>
+                            </p:childTnLst>
+                          </p:cTn>
+                        </p:par>
+                      </p:childTnLst>
+                    </p:cTn>
+                  </p:par>
+                </p:childTnLst>
+              </p:cTn>
+              <p:prevCondLst>
+                <p:cond evt="onPrev" delay="0">
+                  <p:tgtEl>
+                    <p:sldTgt/>
+                  </p:tgtEl>
+                </p:cond>
+              </p:prevCondLst>
+              <p:nextCondLst>
+                <p:cond evt="onNext" delay="0">
+                  <p:tgtEl>
+                    <p:sldTgt/>
+                  </p:tgtEl>
+                </p:cond>
+              </p:nextCondLst>
+            </p:seq>
+          </p:childTnLst>
+        </p:cTn>
+      </p:par>
+    </p:tnLst>
+    <p:bldLst>
+      <p:bldP spid="4" grpId="0" animBg="1"/>
+      <p:bldP spid="5" grpId="0" animBg="1"/>
+    </p:bldLst>
+  </p:timing>
   <p:extLst>
     <p:ext uri="{6950BFC3-D8DA-4A85-94F7-54DA5524770B}">
       <p188:commentRel xmlns:p188="http://schemas.microsoft.com/office/powerpoint/2018/8/main" r:id="rId3"/>
